--- a/Lectures/lec2-relational-model.pptx
+++ b/Lectures/lec2-relational-model.pptx
@@ -233,7 +233,7 @@
           <a:p>
             <a:fld id="{2736D85D-8AD2-3E48-9003-FE0FC165286A}" type="datetimeFigureOut">
               <a:rPr lang="en-US" smtClean="0"/>
-              <a:t>9/11/18</a:t>
+              <a:t>12/10/18</a:t>
             </a:fld>
             <a:endParaRPr lang="en-US"/>
           </a:p>
@@ -603,6 +603,378 @@
       </p:grpSpPr>
       <p:sp>
         <p:nvSpPr>
+          <p:cNvPr id="90114" name="Slide Image Placeholder 1"/>
+          <p:cNvSpPr>
+            <a:spLocks noGrp="1" noRot="1" noChangeAspect="1" noTextEdit="1"/>
+          </p:cNvSpPr>
+          <p:nvPr>
+            <p:ph type="sldImg"/>
+          </p:nvPr>
+        </p:nvSpPr>
+        <p:spPr>
+          <a:ln/>
+        </p:spPr>
+      </p:sp>
+      <p:sp>
+        <p:nvSpPr>
+          <p:cNvPr id="90115" name="Notes Placeholder 2"/>
+          <p:cNvSpPr>
+            <a:spLocks noGrp="1"/>
+          </p:cNvSpPr>
+          <p:nvPr>
+            <p:ph type="body" idx="1"/>
+          </p:nvPr>
+        </p:nvSpPr>
+        <p:spPr>
+          <a:noFill/>
+          <a:ln/>
+        </p:spPr>
+        <p:txBody>
+          <a:bodyPr/>
+          <a:lstStyle/>
+          <a:p>
+            <a:pPr eaLnBrk="1" hangingPunct="1"/>
+            <a:endParaRPr lang="en-CA"/>
+          </a:p>
+        </p:txBody>
+      </p:sp>
+      <p:sp>
+        <p:nvSpPr>
+          <p:cNvPr id="90116" name="Slide Number Placeholder 3"/>
+          <p:cNvSpPr>
+            <a:spLocks noGrp="1"/>
+          </p:cNvSpPr>
+          <p:nvPr>
+            <p:ph type="sldNum" sz="quarter" idx="5"/>
+          </p:nvPr>
+        </p:nvSpPr>
+        <p:spPr>
+          <a:noFill/>
+        </p:spPr>
+        <p:txBody>
+          <a:bodyPr/>
+          <a:lstStyle/>
+          <a:p>
+            <a:fld id="{2AB498E0-9712-46C0-9267-57601645546F}" type="slidenum">
+              <a:rPr lang="en-US" smtClean="0"/>
+              <a:pPr/>
+              <a:t>32</a:t>
+            </a:fld>
+            <a:endParaRPr lang="en-US"/>
+          </a:p>
+        </p:txBody>
+      </p:sp>
+    </p:spTree>
+    <p:extLst>
+      <p:ext uri="{BB962C8B-B14F-4D97-AF65-F5344CB8AC3E}">
+        <p14:creationId xmlns:p14="http://schemas.microsoft.com/office/powerpoint/2010/main" val="1492789193"/>
+      </p:ext>
+    </p:extLst>
+  </p:cSld>
+  <p:clrMapOvr>
+    <a:masterClrMapping/>
+  </p:clrMapOvr>
+</p:notes>
+</file>
+
+<file path=ppt/notesSlides/notesSlide11.xml><?xml version="1.0" encoding="utf-8"?>
+<p:notes xmlns:a="http://schemas.openxmlformats.org/drawingml/2006/main" xmlns:r="http://schemas.openxmlformats.org/officeDocument/2006/relationships" xmlns:p="http://schemas.openxmlformats.org/presentationml/2006/main">
+  <p:cSld>
+    <p:spTree>
+      <p:nvGrpSpPr>
+        <p:cNvPr id="1" name=""/>
+        <p:cNvGrpSpPr/>
+        <p:nvPr/>
+      </p:nvGrpSpPr>
+      <p:grpSpPr>
+        <a:xfrm>
+          <a:off x="0" y="0"/>
+          <a:ext cx="0" cy="0"/>
+          <a:chOff x="0" y="0"/>
+          <a:chExt cx="0" cy="0"/>
+        </a:xfrm>
+      </p:grpSpPr>
+      <p:sp>
+        <p:nvSpPr>
+          <p:cNvPr id="91138" name="Slide Image Placeholder 1"/>
+          <p:cNvSpPr>
+            <a:spLocks noGrp="1" noRot="1" noChangeAspect="1" noTextEdit="1"/>
+          </p:cNvSpPr>
+          <p:nvPr>
+            <p:ph type="sldImg"/>
+          </p:nvPr>
+        </p:nvSpPr>
+        <p:spPr>
+          <a:ln/>
+        </p:spPr>
+      </p:sp>
+      <p:sp>
+        <p:nvSpPr>
+          <p:cNvPr id="91139" name="Notes Placeholder 2"/>
+          <p:cNvSpPr>
+            <a:spLocks noGrp="1"/>
+          </p:cNvSpPr>
+          <p:nvPr>
+            <p:ph type="body" idx="1"/>
+          </p:nvPr>
+        </p:nvSpPr>
+        <p:spPr>
+          <a:noFill/>
+          <a:ln/>
+        </p:spPr>
+        <p:txBody>
+          <a:bodyPr/>
+          <a:lstStyle/>
+          <a:p>
+            <a:pPr eaLnBrk="1" hangingPunct="1"/>
+            <a:endParaRPr lang="en-CA"/>
+          </a:p>
+        </p:txBody>
+      </p:sp>
+      <p:sp>
+        <p:nvSpPr>
+          <p:cNvPr id="91140" name="Slide Number Placeholder 3"/>
+          <p:cNvSpPr>
+            <a:spLocks noGrp="1"/>
+          </p:cNvSpPr>
+          <p:nvPr>
+            <p:ph type="sldNum" sz="quarter" idx="5"/>
+          </p:nvPr>
+        </p:nvSpPr>
+        <p:spPr>
+          <a:noFill/>
+        </p:spPr>
+        <p:txBody>
+          <a:bodyPr/>
+          <a:lstStyle/>
+          <a:p>
+            <a:fld id="{425AD9B0-36EF-4123-86AF-E14CA37AC99C}" type="slidenum">
+              <a:rPr lang="en-US" smtClean="0"/>
+              <a:pPr/>
+              <a:t>33</a:t>
+            </a:fld>
+            <a:endParaRPr lang="en-US"/>
+          </a:p>
+        </p:txBody>
+      </p:sp>
+    </p:spTree>
+    <p:extLst>
+      <p:ext uri="{BB962C8B-B14F-4D97-AF65-F5344CB8AC3E}">
+        <p14:creationId xmlns:p14="http://schemas.microsoft.com/office/powerpoint/2010/main" val="1312632421"/>
+      </p:ext>
+    </p:extLst>
+  </p:cSld>
+  <p:clrMapOvr>
+    <a:masterClrMapping/>
+  </p:clrMapOvr>
+</p:notes>
+</file>
+
+<file path=ppt/notesSlides/notesSlide12.xml><?xml version="1.0" encoding="utf-8"?>
+<p:notes xmlns:a="http://schemas.openxmlformats.org/drawingml/2006/main" xmlns:r="http://schemas.openxmlformats.org/officeDocument/2006/relationships" xmlns:p="http://schemas.openxmlformats.org/presentationml/2006/main">
+  <p:cSld>
+    <p:spTree>
+      <p:nvGrpSpPr>
+        <p:cNvPr id="1" name=""/>
+        <p:cNvGrpSpPr/>
+        <p:nvPr/>
+      </p:nvGrpSpPr>
+      <p:grpSpPr>
+        <a:xfrm>
+          <a:off x="0" y="0"/>
+          <a:ext cx="0" cy="0"/>
+          <a:chOff x="0" y="0"/>
+          <a:chExt cx="0" cy="0"/>
+        </a:xfrm>
+      </p:grpSpPr>
+      <p:sp>
+        <p:nvSpPr>
+          <p:cNvPr id="92162" name="Slide Image Placeholder 1"/>
+          <p:cNvSpPr>
+            <a:spLocks noGrp="1" noRot="1" noChangeAspect="1" noTextEdit="1"/>
+          </p:cNvSpPr>
+          <p:nvPr>
+            <p:ph type="sldImg"/>
+          </p:nvPr>
+        </p:nvSpPr>
+        <p:spPr>
+          <a:ln/>
+        </p:spPr>
+      </p:sp>
+      <p:sp>
+        <p:nvSpPr>
+          <p:cNvPr id="92163" name="Notes Placeholder 2"/>
+          <p:cNvSpPr>
+            <a:spLocks noGrp="1"/>
+          </p:cNvSpPr>
+          <p:nvPr>
+            <p:ph type="body" idx="1"/>
+          </p:nvPr>
+        </p:nvSpPr>
+        <p:spPr>
+          <a:noFill/>
+          <a:ln/>
+        </p:spPr>
+        <p:txBody>
+          <a:bodyPr/>
+          <a:lstStyle/>
+          <a:p>
+            <a:pPr eaLnBrk="1" hangingPunct="1"/>
+            <a:endParaRPr lang="en-CA"/>
+          </a:p>
+        </p:txBody>
+      </p:sp>
+      <p:sp>
+        <p:nvSpPr>
+          <p:cNvPr id="92164" name="Slide Number Placeholder 3"/>
+          <p:cNvSpPr>
+            <a:spLocks noGrp="1"/>
+          </p:cNvSpPr>
+          <p:nvPr>
+            <p:ph type="sldNum" sz="quarter" idx="5"/>
+          </p:nvPr>
+        </p:nvSpPr>
+        <p:spPr>
+          <a:noFill/>
+        </p:spPr>
+        <p:txBody>
+          <a:bodyPr/>
+          <a:lstStyle/>
+          <a:p>
+            <a:fld id="{EB8E3AFB-4773-47A3-A59F-F726204442A2}" type="slidenum">
+              <a:rPr lang="en-US" smtClean="0"/>
+              <a:pPr/>
+              <a:t>34</a:t>
+            </a:fld>
+            <a:endParaRPr lang="en-US"/>
+          </a:p>
+        </p:txBody>
+      </p:sp>
+    </p:spTree>
+    <p:extLst>
+      <p:ext uri="{BB962C8B-B14F-4D97-AF65-F5344CB8AC3E}">
+        <p14:creationId xmlns:p14="http://schemas.microsoft.com/office/powerpoint/2010/main" val="651437874"/>
+      </p:ext>
+    </p:extLst>
+  </p:cSld>
+  <p:clrMapOvr>
+    <a:masterClrMapping/>
+  </p:clrMapOvr>
+</p:notes>
+</file>
+
+<file path=ppt/notesSlides/notesSlide13.xml><?xml version="1.0" encoding="utf-8"?>
+<p:notes xmlns:a="http://schemas.openxmlformats.org/drawingml/2006/main" xmlns:r="http://schemas.openxmlformats.org/officeDocument/2006/relationships" xmlns:p="http://schemas.openxmlformats.org/presentationml/2006/main">
+  <p:cSld>
+    <p:spTree>
+      <p:nvGrpSpPr>
+        <p:cNvPr id="1" name=""/>
+        <p:cNvGrpSpPr/>
+        <p:nvPr/>
+      </p:nvGrpSpPr>
+      <p:grpSpPr>
+        <a:xfrm>
+          <a:off x="0" y="0"/>
+          <a:ext cx="0" cy="0"/>
+          <a:chOff x="0" y="0"/>
+          <a:chExt cx="0" cy="0"/>
+        </a:xfrm>
+      </p:grpSpPr>
+      <p:sp>
+        <p:nvSpPr>
+          <p:cNvPr id="94210" name="Slide Image Placeholder 1"/>
+          <p:cNvSpPr>
+            <a:spLocks noGrp="1" noRot="1" noChangeAspect="1" noTextEdit="1"/>
+          </p:cNvSpPr>
+          <p:nvPr>
+            <p:ph type="sldImg"/>
+          </p:nvPr>
+        </p:nvSpPr>
+        <p:spPr>
+          <a:ln/>
+        </p:spPr>
+      </p:sp>
+      <p:sp>
+        <p:nvSpPr>
+          <p:cNvPr id="94211" name="Notes Placeholder 2"/>
+          <p:cNvSpPr>
+            <a:spLocks noGrp="1"/>
+          </p:cNvSpPr>
+          <p:nvPr>
+            <p:ph type="body" idx="1"/>
+          </p:nvPr>
+        </p:nvSpPr>
+        <p:spPr>
+          <a:noFill/>
+          <a:ln/>
+        </p:spPr>
+        <p:txBody>
+          <a:bodyPr/>
+          <a:lstStyle/>
+          <a:p>
+            <a:pPr eaLnBrk="1" hangingPunct="1"/>
+            <a:endParaRPr lang="en-CA"/>
+          </a:p>
+        </p:txBody>
+      </p:sp>
+      <p:sp>
+        <p:nvSpPr>
+          <p:cNvPr id="94212" name="Slide Number Placeholder 3"/>
+          <p:cNvSpPr>
+            <a:spLocks noGrp="1"/>
+          </p:cNvSpPr>
+          <p:nvPr>
+            <p:ph type="sldNum" sz="quarter" idx="5"/>
+          </p:nvPr>
+        </p:nvSpPr>
+        <p:spPr>
+          <a:noFill/>
+        </p:spPr>
+        <p:txBody>
+          <a:bodyPr/>
+          <a:lstStyle/>
+          <a:p>
+            <a:fld id="{00BABBDB-5FBD-4316-986C-8645DAFC9BD2}" type="slidenum">
+              <a:rPr lang="en-US" smtClean="0"/>
+              <a:pPr/>
+              <a:t>35</a:t>
+            </a:fld>
+            <a:endParaRPr lang="en-US"/>
+          </a:p>
+        </p:txBody>
+      </p:sp>
+    </p:spTree>
+    <p:extLst>
+      <p:ext uri="{BB962C8B-B14F-4D97-AF65-F5344CB8AC3E}">
+        <p14:creationId xmlns:p14="http://schemas.microsoft.com/office/powerpoint/2010/main" val="125942667"/>
+      </p:ext>
+    </p:extLst>
+  </p:cSld>
+  <p:clrMapOvr>
+    <a:masterClrMapping/>
+  </p:clrMapOvr>
+</p:notes>
+</file>
+
+<file path=ppt/notesSlides/notesSlide14.xml><?xml version="1.0" encoding="utf-8"?>
+<p:notes xmlns:a="http://schemas.openxmlformats.org/drawingml/2006/main" xmlns:r="http://schemas.openxmlformats.org/officeDocument/2006/relationships" xmlns:p="http://schemas.openxmlformats.org/presentationml/2006/main">
+  <p:cSld>
+    <p:spTree>
+      <p:nvGrpSpPr>
+        <p:cNvPr id="1" name=""/>
+        <p:cNvGrpSpPr/>
+        <p:nvPr/>
+      </p:nvGrpSpPr>
+      <p:grpSpPr>
+        <a:xfrm>
+          <a:off x="0" y="0"/>
+          <a:ext cx="0" cy="0"/>
+          <a:chOff x="0" y="0"/>
+          <a:chExt cx="0" cy="0"/>
+        </a:xfrm>
+      </p:grpSpPr>
+      <p:sp>
+        <p:nvSpPr>
           <p:cNvPr id="95234" name="Slide Image Placeholder 1"/>
           <p:cNvSpPr>
             <a:spLocks noGrp="1" noRot="1" noChangeAspect="1" noTextEdit="1"/>
@@ -805,7 +1177,48 @@
           <a:bodyPr/>
           <a:lstStyle/>
           <a:p>
-            <a:endParaRPr lang="en-US"/>
+            <a:pPr marL="228600" indent="-228600">
+              <a:buAutoNum type="arabicPeriod"/>
+            </a:pPr>
+            <a:r>
+              <a:rPr lang="en-US" altLang="zh-CN" dirty="0" smtClean="0"/>
+              <a:t>tuples,</a:t>
+            </a:r>
+            <a:r>
+              <a:rPr lang="zh-CN" altLang="en-US" dirty="0" smtClean="0"/>
+              <a:t> </a:t>
+            </a:r>
+            <a:r>
+              <a:rPr lang="en-US" altLang="zh-CN" dirty="0" smtClean="0"/>
+              <a:t>records</a:t>
+            </a:r>
+          </a:p>
+          <a:p>
+            <a:pPr marL="228600" indent="-228600">
+              <a:buAutoNum type="arabicPeriod"/>
+            </a:pPr>
+            <a:r>
+              <a:rPr lang="en-US" altLang="zh-CN" dirty="0" smtClean="0"/>
+              <a:t>fields,</a:t>
+            </a:r>
+            <a:r>
+              <a:rPr lang="zh-CN" altLang="en-US" dirty="0" smtClean="0"/>
+              <a:t> </a:t>
+            </a:r>
+            <a:r>
+              <a:rPr lang="en-US" altLang="zh-CN" dirty="0" smtClean="0"/>
+              <a:t>attributes</a:t>
+            </a:r>
+          </a:p>
+          <a:p>
+            <a:pPr marL="228600" indent="-228600">
+              <a:buAutoNum type="arabicPeriod"/>
+            </a:pPr>
+            <a:r>
+              <a:rPr lang="en-US" altLang="zh-CN" dirty="0" smtClean="0"/>
+              <a:t>relation</a:t>
+            </a:r>
+            <a:endParaRPr lang="en-US" dirty="0"/>
           </a:p>
         </p:txBody>
       </p:sp>
@@ -826,6 +1239,1125 @@
           <a:p>
             <a:fld id="{F8217A12-A6ED-4C4A-8400-036634305785}" type="slidenum">
               <a:rPr lang="en-US" smtClean="0"/>
+              <a:t>19</a:t>
+            </a:fld>
+            <a:endParaRPr lang="en-US"/>
+          </a:p>
+        </p:txBody>
+      </p:sp>
+    </p:spTree>
+    <p:extLst>
+      <p:ext uri="{BB962C8B-B14F-4D97-AF65-F5344CB8AC3E}">
+        <p14:creationId xmlns:p14="http://schemas.microsoft.com/office/powerpoint/2010/main" val="943602548"/>
+      </p:ext>
+    </p:extLst>
+  </p:cSld>
+  <p:clrMapOvr>
+    <a:masterClrMapping/>
+  </p:clrMapOvr>
+</p:notes>
+</file>
+
+<file path=ppt/notesSlides/notesSlide4.xml><?xml version="1.0" encoding="utf-8"?>
+<p:notes xmlns:a="http://schemas.openxmlformats.org/drawingml/2006/main" xmlns:r="http://schemas.openxmlformats.org/officeDocument/2006/relationships" xmlns:p="http://schemas.openxmlformats.org/presentationml/2006/main">
+  <p:cSld>
+    <p:spTree>
+      <p:nvGrpSpPr>
+        <p:cNvPr id="1" name=""/>
+        <p:cNvGrpSpPr/>
+        <p:nvPr/>
+      </p:nvGrpSpPr>
+      <p:grpSpPr>
+        <a:xfrm>
+          <a:off x="0" y="0"/>
+          <a:ext cx="0" cy="0"/>
+          <a:chOff x="0" y="0"/>
+          <a:chExt cx="0" cy="0"/>
+        </a:xfrm>
+      </p:grpSpPr>
+      <p:sp>
+        <p:nvSpPr>
+          <p:cNvPr id="2" name="Slide Image Placeholder 1"/>
+          <p:cNvSpPr>
+            <a:spLocks noGrp="1" noRot="1" noChangeAspect="1"/>
+          </p:cNvSpPr>
+          <p:nvPr>
+            <p:ph type="sldImg"/>
+          </p:nvPr>
+        </p:nvSpPr>
+        <p:spPr/>
+      </p:sp>
+      <p:sp>
+        <p:nvSpPr>
+          <p:cNvPr id="3" name="Notes Placeholder 2"/>
+          <p:cNvSpPr>
+            <a:spLocks noGrp="1"/>
+          </p:cNvSpPr>
+          <p:nvPr>
+            <p:ph type="body" idx="1"/>
+          </p:nvPr>
+        </p:nvSpPr>
+        <p:spPr/>
+        <p:txBody>
+          <a:bodyPr/>
+          <a:lstStyle/>
+          <a:p>
+            <a:r>
+              <a:rPr lang="en-US" altLang="zh-CN" dirty="0" smtClean="0"/>
+              <a:t>4.</a:t>
+            </a:r>
+            <a:r>
+              <a:rPr lang="zh-CN" altLang="en-US" baseline="0" dirty="0" smtClean="0"/>
+              <a:t> </a:t>
+            </a:r>
+            <a:r>
+              <a:rPr lang="en-US" altLang="zh-CN" baseline="0" dirty="0" smtClean="0"/>
+              <a:t>Accounts:</a:t>
+            </a:r>
+            <a:r>
+              <a:rPr lang="zh-CN" altLang="en-US" baseline="0" dirty="0" smtClean="0"/>
+              <a:t> </a:t>
+            </a:r>
+            <a:r>
+              <a:rPr lang="en-US" altLang="zh-CN" baseline="0" dirty="0" err="1" smtClean="0"/>
+              <a:t>AcctNo</a:t>
+            </a:r>
+            <a:r>
+              <a:rPr lang="en-US" altLang="zh-CN" baseline="0" dirty="0" smtClean="0"/>
+              <a:t>,</a:t>
+            </a:r>
+            <a:r>
+              <a:rPr lang="zh-CN" altLang="en-US" baseline="0" dirty="0" smtClean="0"/>
+              <a:t> </a:t>
+            </a:r>
+            <a:r>
+              <a:rPr lang="en-US" altLang="zh-CN" baseline="0" dirty="0" smtClean="0"/>
+              <a:t>Type,</a:t>
+            </a:r>
+            <a:r>
+              <a:rPr lang="zh-CN" altLang="en-US" baseline="0" dirty="0" smtClean="0"/>
+              <a:t> </a:t>
+            </a:r>
+            <a:r>
+              <a:rPr lang="en-US" altLang="zh-CN" baseline="0" dirty="0" smtClean="0"/>
+              <a:t>Balance</a:t>
+            </a:r>
+          </a:p>
+          <a:p>
+            <a:r>
+              <a:rPr lang="en-US" altLang="zh-CN" baseline="0" dirty="0" smtClean="0"/>
+              <a:t>Customers:</a:t>
+            </a:r>
+            <a:r>
+              <a:rPr lang="zh-CN" altLang="en-US" baseline="0" dirty="0" smtClean="0"/>
+              <a:t> </a:t>
+            </a:r>
+            <a:r>
+              <a:rPr lang="en-US" altLang="zh-CN" baseline="0" dirty="0" err="1" smtClean="0"/>
+              <a:t>fname</a:t>
+            </a:r>
+            <a:r>
+              <a:rPr lang="en-US" altLang="zh-CN" baseline="0" dirty="0" smtClean="0"/>
+              <a:t>,</a:t>
+            </a:r>
+            <a:r>
+              <a:rPr lang="zh-CN" altLang="en-US" baseline="0" dirty="0" smtClean="0"/>
+              <a:t> </a:t>
+            </a:r>
+            <a:r>
+              <a:rPr lang="en-US" altLang="zh-CN" baseline="0" dirty="0" err="1" smtClean="0"/>
+              <a:t>lname</a:t>
+            </a:r>
+            <a:r>
+              <a:rPr lang="en-US" altLang="zh-CN" baseline="0" dirty="0" smtClean="0"/>
+              <a:t>,</a:t>
+            </a:r>
+            <a:r>
+              <a:rPr lang="zh-CN" altLang="en-US" baseline="0" dirty="0" smtClean="0"/>
+              <a:t> </a:t>
+            </a:r>
+            <a:r>
+              <a:rPr lang="en-US" altLang="zh-CN" baseline="0" dirty="0" err="1" smtClean="0"/>
+              <a:t>idNo</a:t>
+            </a:r>
+            <a:r>
+              <a:rPr lang="en-US" altLang="zh-CN" baseline="0" dirty="0" smtClean="0"/>
+              <a:t>,</a:t>
+            </a:r>
+            <a:r>
+              <a:rPr lang="zh-CN" altLang="en-US" baseline="0" dirty="0" smtClean="0"/>
+              <a:t> </a:t>
+            </a:r>
+            <a:r>
+              <a:rPr lang="en-US" altLang="zh-CN" baseline="0" dirty="0" smtClean="0"/>
+              <a:t>account</a:t>
+            </a:r>
+          </a:p>
+          <a:p>
+            <a:endParaRPr lang="en-US" baseline="0" dirty="0" smtClean="0"/>
+          </a:p>
+          <a:p>
+            <a:r>
+              <a:rPr lang="en-US" altLang="zh-CN" baseline="0" dirty="0" smtClean="0"/>
+              <a:t>5.</a:t>
+            </a:r>
+            <a:r>
+              <a:rPr lang="zh-CN" altLang="en-US" baseline="0" dirty="0" smtClean="0"/>
+              <a:t> </a:t>
+            </a:r>
+            <a:r>
+              <a:rPr lang="en-US" altLang="zh-CN" baseline="0" dirty="0" smtClean="0"/>
+              <a:t>Accounts:</a:t>
+            </a:r>
+            <a:r>
+              <a:rPr lang="zh-CN" altLang="en-US" baseline="0" dirty="0" smtClean="0"/>
+              <a:t> </a:t>
+            </a:r>
+            <a:r>
+              <a:rPr lang="en-US" altLang="zh-CN" baseline="0" dirty="0" smtClean="0"/>
+              <a:t>(12345,</a:t>
+            </a:r>
+            <a:r>
+              <a:rPr lang="zh-CN" altLang="en-US" baseline="0" dirty="0" smtClean="0"/>
+              <a:t> </a:t>
+            </a:r>
+            <a:r>
+              <a:rPr lang="en-US" altLang="zh-CN" baseline="0" dirty="0" smtClean="0"/>
+              <a:t>“savings”,</a:t>
+            </a:r>
+            <a:r>
+              <a:rPr lang="zh-CN" altLang="en-US" baseline="0" dirty="0" smtClean="0"/>
+              <a:t> </a:t>
+            </a:r>
+            <a:r>
+              <a:rPr lang="en-US" altLang="zh-CN" baseline="0" dirty="0" smtClean="0"/>
+              <a:t>12000),</a:t>
+            </a:r>
+            <a:r>
+              <a:rPr lang="zh-CN" altLang="en-US" baseline="0" dirty="0" smtClean="0"/>
+              <a:t> </a:t>
+            </a:r>
+            <a:r>
+              <a:rPr lang="en-US" altLang="zh-CN" baseline="0" dirty="0" smtClean="0"/>
+              <a:t>(23456,</a:t>
+            </a:r>
+            <a:r>
+              <a:rPr lang="zh-CN" altLang="en-US" baseline="0" dirty="0" smtClean="0"/>
+              <a:t> </a:t>
+            </a:r>
+            <a:r>
+              <a:rPr lang="en-US" altLang="zh-CN" baseline="0" dirty="0" smtClean="0"/>
+              <a:t>“checking”,</a:t>
+            </a:r>
+            <a:r>
+              <a:rPr lang="zh-CN" altLang="en-US" baseline="0" dirty="0" smtClean="0"/>
+              <a:t> </a:t>
+            </a:r>
+            <a:r>
+              <a:rPr lang="en-US" altLang="zh-CN" baseline="0" dirty="0" smtClean="0"/>
+              <a:t>1000),</a:t>
+            </a:r>
+            <a:r>
+              <a:rPr lang="zh-CN" altLang="en-US" baseline="0" dirty="0" smtClean="0"/>
+              <a:t> </a:t>
+            </a:r>
+            <a:r>
+              <a:rPr lang="en-US" altLang="zh-CN" baseline="0" dirty="0" smtClean="0"/>
+              <a:t>(34567,</a:t>
+            </a:r>
+            <a:r>
+              <a:rPr lang="zh-CN" altLang="en-US" baseline="0" dirty="0" smtClean="0"/>
+              <a:t> </a:t>
+            </a:r>
+            <a:r>
+              <a:rPr lang="en-US" altLang="zh-CN" baseline="0" dirty="0" smtClean="0"/>
+              <a:t>”savings”,</a:t>
+            </a:r>
+            <a:r>
+              <a:rPr lang="zh-CN" altLang="en-US" baseline="0" dirty="0" smtClean="0"/>
+              <a:t> </a:t>
+            </a:r>
+            <a:r>
+              <a:rPr lang="en-US" altLang="zh-CN" baseline="0" dirty="0" smtClean="0"/>
+              <a:t>25)</a:t>
+            </a:r>
+          </a:p>
+          <a:p>
+            <a:r>
+              <a:rPr lang="en-US" altLang="zh-CN" baseline="0" dirty="0" smtClean="0"/>
+              <a:t>Customers:</a:t>
+            </a:r>
+            <a:r>
+              <a:rPr lang="zh-CN" altLang="en-US" baseline="0" dirty="0" smtClean="0"/>
+              <a:t> </a:t>
+            </a:r>
+            <a:r>
+              <a:rPr lang="en-US" altLang="zh-CN" baseline="0" dirty="0" smtClean="0"/>
+              <a:t>(“Robbie”,</a:t>
+            </a:r>
+            <a:r>
+              <a:rPr lang="zh-CN" altLang="en-US" baseline="0" dirty="0" smtClean="0"/>
+              <a:t> </a:t>
+            </a:r>
+            <a:r>
+              <a:rPr lang="en-US" altLang="zh-CN" baseline="0" dirty="0" smtClean="0"/>
+              <a:t>“Banks”,</a:t>
+            </a:r>
+            <a:r>
+              <a:rPr lang="zh-CN" altLang="en-US" baseline="0" dirty="0" smtClean="0"/>
+              <a:t> </a:t>
+            </a:r>
+            <a:r>
+              <a:rPr lang="en-US" altLang="zh-CN" baseline="0" dirty="0" smtClean="0"/>
+              <a:t>901-222,</a:t>
+            </a:r>
+            <a:r>
+              <a:rPr lang="zh-CN" altLang="en-US" baseline="0" dirty="0" smtClean="0"/>
+              <a:t> </a:t>
+            </a:r>
+            <a:r>
+              <a:rPr lang="en-US" altLang="zh-CN" baseline="0" dirty="0" smtClean="0"/>
+              <a:t>12345),</a:t>
+            </a:r>
+            <a:r>
+              <a:rPr lang="zh-CN" altLang="en-US" baseline="0" dirty="0" smtClean="0"/>
+              <a:t> </a:t>
+            </a:r>
+            <a:r>
+              <a:rPr lang="en-US" altLang="zh-CN" baseline="0" dirty="0" smtClean="0"/>
+              <a:t>(“Lena”,</a:t>
+            </a:r>
+            <a:r>
+              <a:rPr lang="zh-CN" altLang="en-US" baseline="0" dirty="0" smtClean="0"/>
+              <a:t> </a:t>
+            </a:r>
+            <a:r>
+              <a:rPr lang="en-US" altLang="zh-CN" baseline="0" dirty="0" smtClean="0"/>
+              <a:t>“Hand”,</a:t>
+            </a:r>
+            <a:r>
+              <a:rPr lang="zh-CN" altLang="en-US" baseline="0" dirty="0" smtClean="0"/>
+              <a:t> </a:t>
+            </a:r>
+            <a:r>
+              <a:rPr lang="en-US" altLang="zh-CN" baseline="0" dirty="0" smtClean="0"/>
+              <a:t>805-333,</a:t>
+            </a:r>
+            <a:r>
+              <a:rPr lang="zh-CN" altLang="en-US" baseline="0" dirty="0" smtClean="0"/>
+              <a:t> </a:t>
+            </a:r>
+            <a:r>
+              <a:rPr lang="en-US" altLang="zh-CN" baseline="0" dirty="0" smtClean="0"/>
+              <a:t>12345),</a:t>
+            </a:r>
+            <a:r>
+              <a:rPr lang="zh-CN" altLang="en-US" baseline="0" dirty="0" smtClean="0"/>
+              <a:t> </a:t>
+            </a:r>
+            <a:r>
+              <a:rPr lang="en-US" altLang="zh-CN" baseline="0" dirty="0" smtClean="0"/>
+              <a:t>(“Lena”,</a:t>
+            </a:r>
+            <a:r>
+              <a:rPr lang="zh-CN" altLang="en-US" baseline="0" dirty="0" smtClean="0"/>
+              <a:t> </a:t>
+            </a:r>
+            <a:r>
+              <a:rPr lang="en-US" altLang="zh-CN" baseline="0" dirty="0" smtClean="0"/>
+              <a:t>“Hand”,</a:t>
+            </a:r>
+            <a:r>
+              <a:rPr lang="zh-CN" altLang="en-US" baseline="0" dirty="0" smtClean="0"/>
+              <a:t> </a:t>
+            </a:r>
+            <a:r>
+              <a:rPr lang="en-US" altLang="zh-CN" baseline="0" dirty="0" smtClean="0"/>
+              <a:t>805-333,</a:t>
+            </a:r>
+            <a:r>
+              <a:rPr lang="zh-CN" altLang="en-US" baseline="0" dirty="0" smtClean="0"/>
+              <a:t> </a:t>
+            </a:r>
+            <a:r>
+              <a:rPr lang="en-US" altLang="zh-CN" baseline="0" dirty="0" smtClean="0"/>
+              <a:t>23456)</a:t>
+            </a:r>
+          </a:p>
+          <a:p>
+            <a:endParaRPr lang="en-US" baseline="0" dirty="0" smtClean="0"/>
+          </a:p>
+          <a:p>
+            <a:r>
+              <a:rPr lang="en-US" altLang="zh-CN" baseline="0" dirty="0" smtClean="0"/>
+              <a:t>6.</a:t>
+            </a:r>
+            <a:r>
+              <a:rPr lang="zh-CN" altLang="en-US" baseline="0" dirty="0" smtClean="0"/>
+              <a:t> </a:t>
+            </a:r>
+            <a:r>
+              <a:rPr lang="en-US" altLang="zh-CN" baseline="0" dirty="0" smtClean="0"/>
+              <a:t>Accounts:</a:t>
+            </a:r>
+            <a:r>
+              <a:rPr lang="zh-CN" altLang="en-US" baseline="0" dirty="0" smtClean="0"/>
+              <a:t> </a:t>
+            </a:r>
+            <a:r>
+              <a:rPr lang="en-US" altLang="zh-CN" baseline="0" dirty="0" smtClean="0"/>
+              <a:t>3</a:t>
+            </a:r>
+          </a:p>
+          <a:p>
+            <a:r>
+              <a:rPr lang="en-US" altLang="zh-CN" baseline="0" dirty="0" smtClean="0"/>
+              <a:t>Customers:</a:t>
+            </a:r>
+            <a:r>
+              <a:rPr lang="zh-CN" altLang="en-US" baseline="0" dirty="0" smtClean="0"/>
+              <a:t> </a:t>
+            </a:r>
+            <a:r>
+              <a:rPr lang="en-US" altLang="zh-CN" baseline="0" dirty="0" smtClean="0"/>
+              <a:t>4</a:t>
+            </a:r>
+          </a:p>
+          <a:p>
+            <a:endParaRPr lang="en-US" baseline="0" dirty="0" smtClean="0"/>
+          </a:p>
+          <a:p>
+            <a:r>
+              <a:rPr lang="en-US" altLang="zh-CN" baseline="0" dirty="0" smtClean="0"/>
+              <a:t>7.</a:t>
+            </a:r>
+            <a:r>
+              <a:rPr lang="zh-CN" altLang="en-US" baseline="0" dirty="0" smtClean="0"/>
+              <a:t> </a:t>
+            </a:r>
+            <a:r>
+              <a:rPr lang="en-US" altLang="zh-CN" baseline="0" dirty="0" smtClean="0"/>
+              <a:t>Accounts</a:t>
+            </a:r>
+            <a:r>
+              <a:rPr lang="zh-CN" altLang="en-US" baseline="0" dirty="0" smtClean="0"/>
+              <a:t> </a:t>
+            </a:r>
+            <a:r>
+              <a:rPr lang="en-US" altLang="zh-CN" baseline="0" dirty="0" smtClean="0"/>
+              <a:t>3</a:t>
+            </a:r>
+          </a:p>
+          <a:p>
+            <a:r>
+              <a:rPr lang="en-US" altLang="zh-CN" baseline="0" dirty="0" smtClean="0"/>
+              <a:t>Customers:</a:t>
+            </a:r>
+            <a:r>
+              <a:rPr lang="zh-CN" altLang="en-US" baseline="0" dirty="0" smtClean="0"/>
+              <a:t> </a:t>
+            </a:r>
+            <a:r>
+              <a:rPr lang="en-US" altLang="zh-CN" baseline="0" dirty="0" smtClean="0"/>
+              <a:t>3</a:t>
+            </a:r>
+            <a:endParaRPr lang="en-US" dirty="0"/>
+          </a:p>
+        </p:txBody>
+      </p:sp>
+      <p:sp>
+        <p:nvSpPr>
+          <p:cNvPr id="4" name="Slide Number Placeholder 3"/>
+          <p:cNvSpPr>
+            <a:spLocks noGrp="1"/>
+          </p:cNvSpPr>
+          <p:nvPr>
+            <p:ph type="sldNum" sz="quarter" idx="10"/>
+          </p:nvPr>
+        </p:nvSpPr>
+        <p:spPr/>
+        <p:txBody>
+          <a:bodyPr/>
+          <a:lstStyle/>
+          <a:p>
+            <a:fld id="{F8217A12-A6ED-4C4A-8400-036634305785}" type="slidenum">
+              <a:rPr lang="en-US" smtClean="0"/>
+              <a:t>20</a:t>
+            </a:fld>
+            <a:endParaRPr lang="en-US"/>
+          </a:p>
+        </p:txBody>
+      </p:sp>
+    </p:spTree>
+    <p:extLst>
+      <p:ext uri="{BB962C8B-B14F-4D97-AF65-F5344CB8AC3E}">
+        <p14:creationId xmlns:p14="http://schemas.microsoft.com/office/powerpoint/2010/main" val="1229210674"/>
+      </p:ext>
+    </p:extLst>
+  </p:cSld>
+  <p:clrMapOvr>
+    <a:masterClrMapping/>
+  </p:clrMapOvr>
+</p:notes>
+</file>
+
+<file path=ppt/notesSlides/notesSlide5.xml><?xml version="1.0" encoding="utf-8"?>
+<p:notes xmlns:a="http://schemas.openxmlformats.org/drawingml/2006/main" xmlns:r="http://schemas.openxmlformats.org/officeDocument/2006/relationships" xmlns:p="http://schemas.openxmlformats.org/presentationml/2006/main">
+  <p:cSld>
+    <p:spTree>
+      <p:nvGrpSpPr>
+        <p:cNvPr id="1" name=""/>
+        <p:cNvGrpSpPr/>
+        <p:nvPr/>
+      </p:nvGrpSpPr>
+      <p:grpSpPr>
+        <a:xfrm>
+          <a:off x="0" y="0"/>
+          <a:ext cx="0" cy="0"/>
+          <a:chOff x="0" y="0"/>
+          <a:chExt cx="0" cy="0"/>
+        </a:xfrm>
+      </p:grpSpPr>
+      <p:sp>
+        <p:nvSpPr>
+          <p:cNvPr id="2" name="Slide Image Placeholder 1"/>
+          <p:cNvSpPr>
+            <a:spLocks noGrp="1" noRot="1" noChangeAspect="1"/>
+          </p:cNvSpPr>
+          <p:nvPr>
+            <p:ph type="sldImg"/>
+          </p:nvPr>
+        </p:nvSpPr>
+        <p:spPr/>
+      </p:sp>
+      <p:sp>
+        <p:nvSpPr>
+          <p:cNvPr id="3" name="Notes Placeholder 2"/>
+          <p:cNvSpPr>
+            <a:spLocks noGrp="1"/>
+          </p:cNvSpPr>
+          <p:nvPr>
+            <p:ph type="body" idx="1"/>
+          </p:nvPr>
+        </p:nvSpPr>
+        <p:spPr/>
+        <p:txBody>
+          <a:bodyPr/>
+          <a:lstStyle/>
+          <a:p>
+            <a:r>
+              <a:rPr lang="en-US" altLang="zh-CN" dirty="0" smtClean="0"/>
+              <a:t>8.</a:t>
+            </a:r>
+            <a:r>
+              <a:rPr lang="zh-CN" altLang="en-US" dirty="0" smtClean="0"/>
+              <a:t> </a:t>
+            </a:r>
+            <a:r>
+              <a:rPr lang="en-US" altLang="zh-CN" dirty="0" smtClean="0"/>
+              <a:t>Accounts(</a:t>
+            </a:r>
+            <a:r>
+              <a:rPr lang="en-US" altLang="zh-CN" dirty="0" err="1" smtClean="0"/>
+              <a:t>AcctNo</a:t>
+            </a:r>
+            <a:r>
+              <a:rPr lang="en-US" altLang="zh-CN" dirty="0" smtClean="0"/>
+              <a:t>,</a:t>
+            </a:r>
+            <a:r>
+              <a:rPr lang="zh-CN" altLang="en-US" baseline="0" dirty="0" smtClean="0"/>
+              <a:t> </a:t>
+            </a:r>
+            <a:r>
+              <a:rPr lang="en-US" altLang="zh-CN" baseline="0" dirty="0" smtClean="0"/>
+              <a:t>Type,</a:t>
+            </a:r>
+            <a:r>
+              <a:rPr lang="zh-CN" altLang="en-US" baseline="0" dirty="0" smtClean="0"/>
+              <a:t> </a:t>
+            </a:r>
+            <a:r>
+              <a:rPr lang="en-US" altLang="zh-CN" baseline="0" dirty="0" smtClean="0"/>
+              <a:t>Balance)</a:t>
+            </a:r>
+          </a:p>
+          <a:p>
+            <a:r>
+              <a:rPr lang="en-US" altLang="zh-CN" baseline="0" dirty="0" smtClean="0"/>
+              <a:t>Customers(</a:t>
+            </a:r>
+            <a:r>
+              <a:rPr lang="en-US" altLang="zh-CN" baseline="0" dirty="0" err="1" smtClean="0"/>
+              <a:t>fname</a:t>
+            </a:r>
+            <a:r>
+              <a:rPr lang="en-US" altLang="zh-CN" baseline="0" dirty="0" smtClean="0"/>
+              <a:t>,</a:t>
+            </a:r>
+            <a:r>
+              <a:rPr lang="zh-CN" altLang="en-US" baseline="0" dirty="0" smtClean="0"/>
+              <a:t> </a:t>
+            </a:r>
+            <a:r>
+              <a:rPr lang="en-US" altLang="zh-CN" baseline="0" dirty="0" err="1" smtClean="0"/>
+              <a:t>lname</a:t>
+            </a:r>
+            <a:r>
+              <a:rPr lang="en-US" altLang="zh-CN" baseline="0" dirty="0" smtClean="0"/>
+              <a:t>,</a:t>
+            </a:r>
+            <a:r>
+              <a:rPr lang="zh-CN" altLang="en-US" baseline="0" dirty="0" smtClean="0"/>
+              <a:t> </a:t>
+            </a:r>
+            <a:r>
+              <a:rPr lang="en-US" altLang="zh-CN" baseline="0" dirty="0" err="1" smtClean="0"/>
+              <a:t>idNo</a:t>
+            </a:r>
+            <a:r>
+              <a:rPr lang="en-US" altLang="zh-CN" baseline="0" dirty="0" smtClean="0"/>
+              <a:t>,</a:t>
+            </a:r>
+            <a:r>
+              <a:rPr lang="zh-CN" altLang="en-US" baseline="0" dirty="0" smtClean="0"/>
+              <a:t> </a:t>
+            </a:r>
+            <a:r>
+              <a:rPr lang="en-US" altLang="zh-CN" baseline="0" dirty="0" smtClean="0"/>
+              <a:t>account)</a:t>
+            </a:r>
+          </a:p>
+          <a:p>
+            <a:endParaRPr lang="en-US" baseline="0" dirty="0" smtClean="0"/>
+          </a:p>
+          <a:p>
+            <a:r>
+              <a:rPr lang="en-US" altLang="zh-CN" baseline="0" dirty="0" smtClean="0"/>
+              <a:t>9.</a:t>
+            </a:r>
+            <a:r>
+              <a:rPr lang="zh-CN" altLang="en-US" baseline="0" dirty="0" smtClean="0"/>
+              <a:t> </a:t>
+            </a:r>
+            <a:r>
+              <a:rPr lang="en-US" altLang="zh-CN" dirty="0" smtClean="0"/>
+              <a:t>Accounts(</a:t>
+            </a:r>
+            <a:r>
+              <a:rPr lang="en-US" altLang="zh-CN" dirty="0" err="1" smtClean="0"/>
+              <a:t>AcctNo</a:t>
+            </a:r>
+            <a:r>
+              <a:rPr lang="en-US" altLang="zh-CN" dirty="0" smtClean="0"/>
+              <a:t>,</a:t>
+            </a:r>
+            <a:r>
+              <a:rPr lang="zh-CN" altLang="en-US" baseline="0" dirty="0" smtClean="0"/>
+              <a:t> </a:t>
+            </a:r>
+            <a:r>
+              <a:rPr lang="en-US" altLang="zh-CN" baseline="0" dirty="0" smtClean="0"/>
+              <a:t>Type,</a:t>
+            </a:r>
+            <a:r>
+              <a:rPr lang="zh-CN" altLang="en-US" baseline="0" dirty="0" smtClean="0"/>
+              <a:t> </a:t>
+            </a:r>
+            <a:r>
+              <a:rPr lang="en-US" altLang="zh-CN" baseline="0" dirty="0" smtClean="0"/>
+              <a:t>Balance),</a:t>
+            </a:r>
+            <a:r>
+              <a:rPr lang="zh-CN" altLang="en-US" baseline="0" dirty="0" smtClean="0"/>
+              <a:t> </a:t>
+            </a:r>
+            <a:r>
+              <a:rPr lang="en-US" altLang="zh-CN" baseline="0" dirty="0" smtClean="0"/>
+              <a:t>Customers(</a:t>
+            </a:r>
+            <a:r>
+              <a:rPr lang="en-US" altLang="zh-CN" baseline="0" dirty="0" err="1" smtClean="0"/>
+              <a:t>fname</a:t>
+            </a:r>
+            <a:r>
+              <a:rPr lang="en-US" altLang="zh-CN" baseline="0" dirty="0" smtClean="0"/>
+              <a:t>,</a:t>
+            </a:r>
+            <a:r>
+              <a:rPr lang="zh-CN" altLang="en-US" baseline="0" dirty="0" smtClean="0"/>
+              <a:t> </a:t>
+            </a:r>
+            <a:r>
+              <a:rPr lang="en-US" altLang="zh-CN" baseline="0" dirty="0" err="1" smtClean="0"/>
+              <a:t>lname</a:t>
+            </a:r>
+            <a:r>
+              <a:rPr lang="en-US" altLang="zh-CN" baseline="0" dirty="0" smtClean="0"/>
+              <a:t>,</a:t>
+            </a:r>
+            <a:r>
+              <a:rPr lang="zh-CN" altLang="en-US" baseline="0" dirty="0" smtClean="0"/>
+              <a:t> </a:t>
+            </a:r>
+            <a:r>
+              <a:rPr lang="en-US" altLang="zh-CN" baseline="0" dirty="0" err="1" smtClean="0"/>
+              <a:t>idNo</a:t>
+            </a:r>
+            <a:r>
+              <a:rPr lang="en-US" altLang="zh-CN" baseline="0" dirty="0" smtClean="0"/>
+              <a:t>,</a:t>
+            </a:r>
+            <a:r>
+              <a:rPr lang="zh-CN" altLang="en-US" baseline="0" dirty="0" smtClean="0"/>
+              <a:t> </a:t>
+            </a:r>
+            <a:r>
+              <a:rPr lang="en-US" altLang="zh-CN" baseline="0" dirty="0" smtClean="0"/>
+              <a:t>account)</a:t>
+            </a:r>
+          </a:p>
+          <a:p>
+            <a:endParaRPr lang="en-US" altLang="zh-CN" baseline="0" dirty="0" smtClean="0"/>
+          </a:p>
+          <a:p>
+            <a:r>
+              <a:rPr lang="en-US" altLang="zh-CN" baseline="0" dirty="0" smtClean="0"/>
+              <a:t>10.</a:t>
+            </a:r>
+            <a:r>
+              <a:rPr lang="zh-CN" altLang="en-US" baseline="0" dirty="0" smtClean="0"/>
+              <a:t> </a:t>
+            </a:r>
+            <a:r>
+              <a:rPr lang="en-US" altLang="zh-CN" baseline="0" dirty="0" err="1" smtClean="0"/>
+              <a:t>AcctNo</a:t>
+            </a:r>
+            <a:r>
+              <a:rPr lang="en-US" altLang="zh-CN" baseline="0" dirty="0" smtClean="0"/>
+              <a:t>:</a:t>
+            </a:r>
+            <a:r>
+              <a:rPr lang="zh-CN" altLang="en-US" baseline="0" dirty="0" smtClean="0"/>
+              <a:t> </a:t>
+            </a:r>
+            <a:r>
+              <a:rPr lang="en-US" altLang="zh-CN" baseline="0" dirty="0" smtClean="0"/>
+              <a:t>INT,</a:t>
+            </a:r>
+            <a:r>
+              <a:rPr lang="zh-CN" altLang="en-US" baseline="0" dirty="0" smtClean="0"/>
+              <a:t> </a:t>
+            </a:r>
+            <a:r>
+              <a:rPr lang="en-US" altLang="zh-CN" baseline="0" dirty="0" smtClean="0"/>
+              <a:t>Type:</a:t>
+            </a:r>
+            <a:r>
+              <a:rPr lang="zh-CN" altLang="en-US" baseline="0" dirty="0" smtClean="0"/>
+              <a:t> </a:t>
+            </a:r>
+            <a:r>
+              <a:rPr lang="en-US" altLang="zh-CN" baseline="0" dirty="0" smtClean="0"/>
+              <a:t>CHAR(8),</a:t>
+            </a:r>
+            <a:r>
+              <a:rPr lang="zh-CN" altLang="en-US" baseline="0" dirty="0" smtClean="0"/>
+              <a:t> </a:t>
+            </a:r>
+            <a:r>
+              <a:rPr lang="en-US" altLang="zh-CN" baseline="0" dirty="0" smtClean="0"/>
+              <a:t>Balance:</a:t>
+            </a:r>
+            <a:r>
+              <a:rPr lang="zh-CN" altLang="en-US" baseline="0" dirty="0" smtClean="0"/>
+              <a:t> </a:t>
+            </a:r>
+            <a:r>
+              <a:rPr lang="en-US" altLang="zh-CN" baseline="0" dirty="0" smtClean="0"/>
+              <a:t>INT,</a:t>
+            </a:r>
+            <a:r>
+              <a:rPr lang="zh-CN" altLang="en-US" baseline="0" dirty="0" smtClean="0"/>
+              <a:t> </a:t>
+            </a:r>
+            <a:r>
+              <a:rPr lang="en-US" altLang="zh-CN" baseline="0" dirty="0" err="1" smtClean="0"/>
+              <a:t>fname</a:t>
+            </a:r>
+            <a:r>
+              <a:rPr lang="en-US" altLang="zh-CN" baseline="0" dirty="0" smtClean="0"/>
+              <a:t>:</a:t>
+            </a:r>
+            <a:r>
+              <a:rPr lang="zh-CN" altLang="en-US" baseline="0" dirty="0" smtClean="0"/>
+              <a:t> </a:t>
+            </a:r>
+            <a:r>
+              <a:rPr lang="en-US" altLang="zh-CN" baseline="0" dirty="0" smtClean="0"/>
+              <a:t>VARCHAR(32),</a:t>
+            </a:r>
+            <a:r>
+              <a:rPr lang="zh-CN" altLang="en-US" baseline="0" dirty="0" smtClean="0"/>
+              <a:t> </a:t>
+            </a:r>
+            <a:r>
+              <a:rPr lang="en-US" altLang="zh-CN" baseline="0" dirty="0" err="1" smtClean="0"/>
+              <a:t>lname</a:t>
+            </a:r>
+            <a:r>
+              <a:rPr lang="en-US" altLang="zh-CN" baseline="0" dirty="0" smtClean="0"/>
+              <a:t>:</a:t>
+            </a:r>
+            <a:r>
+              <a:rPr lang="zh-CN" altLang="en-US" baseline="0" dirty="0" smtClean="0"/>
+              <a:t> </a:t>
+            </a:r>
+            <a:r>
+              <a:rPr lang="en-US" altLang="zh-CN" baseline="0" dirty="0" smtClean="0"/>
+              <a:t>VARCHAR(32),</a:t>
+            </a:r>
+            <a:r>
+              <a:rPr lang="zh-CN" altLang="en-US" baseline="0" dirty="0" smtClean="0"/>
+              <a:t> </a:t>
+            </a:r>
+            <a:r>
+              <a:rPr lang="en-US" altLang="zh-CN" baseline="0" dirty="0" err="1" smtClean="0"/>
+              <a:t>idNO</a:t>
+            </a:r>
+            <a:r>
+              <a:rPr lang="en-US" altLang="zh-CN" baseline="0" dirty="0" smtClean="0"/>
+              <a:t>:</a:t>
+            </a:r>
+            <a:r>
+              <a:rPr lang="zh-CN" altLang="en-US" baseline="0" dirty="0" smtClean="0"/>
+              <a:t> </a:t>
+            </a:r>
+            <a:r>
+              <a:rPr lang="en-US" altLang="zh-CN" baseline="0" dirty="0" smtClean="0"/>
+              <a:t>INT,</a:t>
+            </a:r>
+            <a:r>
+              <a:rPr lang="zh-CN" altLang="en-US" baseline="0" dirty="0" smtClean="0"/>
+              <a:t> </a:t>
+            </a:r>
+            <a:r>
+              <a:rPr lang="en-US" altLang="zh-CN" baseline="0" dirty="0" smtClean="0"/>
+              <a:t>account:</a:t>
+            </a:r>
+            <a:r>
+              <a:rPr lang="zh-CN" altLang="en-US" baseline="0" dirty="0" smtClean="0"/>
+              <a:t> </a:t>
+            </a:r>
+            <a:r>
+              <a:rPr lang="en-US" altLang="zh-CN" baseline="0" dirty="0" smtClean="0"/>
+              <a:t>INT</a:t>
+            </a:r>
+          </a:p>
+          <a:p>
+            <a:endParaRPr lang="en-US" dirty="0"/>
+          </a:p>
+        </p:txBody>
+      </p:sp>
+      <p:sp>
+        <p:nvSpPr>
+          <p:cNvPr id="4" name="Slide Number Placeholder 3"/>
+          <p:cNvSpPr>
+            <a:spLocks noGrp="1"/>
+          </p:cNvSpPr>
+          <p:nvPr>
+            <p:ph type="sldNum" sz="quarter" idx="10"/>
+          </p:nvPr>
+        </p:nvSpPr>
+        <p:spPr/>
+        <p:txBody>
+          <a:bodyPr/>
+          <a:lstStyle/>
+          <a:p>
+            <a:fld id="{F8217A12-A6ED-4C4A-8400-036634305785}" type="slidenum">
+              <a:rPr lang="en-US" smtClean="0"/>
+              <a:t>21</a:t>
+            </a:fld>
+            <a:endParaRPr lang="en-US"/>
+          </a:p>
+        </p:txBody>
+      </p:sp>
+    </p:spTree>
+    <p:extLst>
+      <p:ext uri="{BB962C8B-B14F-4D97-AF65-F5344CB8AC3E}">
+        <p14:creationId xmlns:p14="http://schemas.microsoft.com/office/powerpoint/2010/main" val="1757211892"/>
+      </p:ext>
+    </p:extLst>
+  </p:cSld>
+  <p:clrMapOvr>
+    <a:masterClrMapping/>
+  </p:clrMapOvr>
+</p:notes>
+</file>
+
+<file path=ppt/notesSlides/notesSlide6.xml><?xml version="1.0" encoding="utf-8"?>
+<p:notes xmlns:a="http://schemas.openxmlformats.org/drawingml/2006/main" xmlns:r="http://schemas.openxmlformats.org/officeDocument/2006/relationships" xmlns:p="http://schemas.openxmlformats.org/presentationml/2006/main">
+  <p:cSld>
+    <p:spTree>
+      <p:nvGrpSpPr>
+        <p:cNvPr id="1" name=""/>
+        <p:cNvGrpSpPr/>
+        <p:nvPr/>
+      </p:nvGrpSpPr>
+      <p:grpSpPr>
+        <a:xfrm>
+          <a:off x="0" y="0"/>
+          <a:ext cx="0" cy="0"/>
+          <a:chOff x="0" y="0"/>
+          <a:chExt cx="0" cy="0"/>
+        </a:xfrm>
+      </p:grpSpPr>
+      <p:sp>
+        <p:nvSpPr>
+          <p:cNvPr id="2" name="Slide Image Placeholder 1"/>
+          <p:cNvSpPr>
+            <a:spLocks noGrp="1" noRot="1" noChangeAspect="1"/>
+          </p:cNvSpPr>
+          <p:nvPr>
+            <p:ph type="sldImg"/>
+          </p:nvPr>
+        </p:nvSpPr>
+        <p:spPr/>
+      </p:sp>
+      <p:sp>
+        <p:nvSpPr>
+          <p:cNvPr id="3" name="Notes Placeholder 2"/>
+          <p:cNvSpPr>
+            <a:spLocks noGrp="1"/>
+          </p:cNvSpPr>
+          <p:nvPr>
+            <p:ph type="body" idx="1"/>
+          </p:nvPr>
+        </p:nvSpPr>
+        <p:spPr/>
+        <p:txBody>
+          <a:bodyPr/>
+          <a:lstStyle/>
+          <a:p>
+            <a:r>
+              <a:rPr lang="en-US" altLang="zh-CN" dirty="0" smtClean="0"/>
+              <a:t>11.</a:t>
+            </a:r>
+            <a:r>
+              <a:rPr lang="zh-CN" altLang="en-US" dirty="0" smtClean="0"/>
+              <a:t> </a:t>
+            </a:r>
+            <a:r>
+              <a:rPr lang="en-US" altLang="zh-CN" dirty="0" smtClean="0"/>
+              <a:t>For</a:t>
+            </a:r>
+            <a:r>
+              <a:rPr lang="zh-CN" altLang="en-US" dirty="0" smtClean="0"/>
+              <a:t> </a:t>
+            </a:r>
+            <a:r>
+              <a:rPr lang="en-US" altLang="zh-CN" dirty="0" smtClean="0"/>
+              <a:t>example,</a:t>
+            </a:r>
+            <a:r>
+              <a:rPr lang="zh-CN" altLang="en-US" dirty="0" smtClean="0"/>
+              <a:t> </a:t>
+            </a:r>
+            <a:r>
+              <a:rPr lang="en-US" altLang="zh-CN" dirty="0" smtClean="0"/>
+              <a:t>swap</a:t>
+            </a:r>
+            <a:r>
+              <a:rPr lang="zh-CN" altLang="en-US" dirty="0" smtClean="0"/>
+              <a:t> </a:t>
+            </a:r>
+            <a:r>
+              <a:rPr lang="en-US" altLang="zh-CN" dirty="0" smtClean="0"/>
+              <a:t>the</a:t>
+            </a:r>
+            <a:r>
+              <a:rPr lang="zh-CN" altLang="en-US" dirty="0" smtClean="0"/>
+              <a:t> </a:t>
+            </a:r>
+            <a:r>
+              <a:rPr lang="en-US" altLang="zh-CN" dirty="0" smtClean="0"/>
+              <a:t>2</a:t>
+            </a:r>
+            <a:r>
+              <a:rPr lang="en-US" altLang="zh-CN" baseline="30000" dirty="0" smtClean="0"/>
+              <a:t>nd</a:t>
+            </a:r>
+            <a:r>
+              <a:rPr lang="zh-CN" altLang="en-US" dirty="0" smtClean="0"/>
+              <a:t> </a:t>
+            </a:r>
+            <a:r>
+              <a:rPr lang="en-US" altLang="zh-CN" dirty="0" smtClean="0"/>
+              <a:t>and</a:t>
+            </a:r>
+            <a:r>
+              <a:rPr lang="zh-CN" altLang="en-US" dirty="0" smtClean="0"/>
+              <a:t> </a:t>
+            </a:r>
+            <a:r>
+              <a:rPr lang="en-US" altLang="zh-CN" dirty="0" smtClean="0"/>
+              <a:t>3</a:t>
+            </a:r>
+            <a:r>
+              <a:rPr lang="en-US" altLang="zh-CN" baseline="30000" dirty="0" smtClean="0"/>
+              <a:t>rd</a:t>
+            </a:r>
+            <a:r>
+              <a:rPr lang="zh-CN" altLang="en-US" dirty="0" smtClean="0"/>
+              <a:t> </a:t>
+            </a:r>
+            <a:r>
+              <a:rPr lang="en-US" altLang="zh-CN" dirty="0" smtClean="0"/>
+              <a:t>rows</a:t>
+            </a:r>
+          </a:p>
+          <a:p>
+            <a:r>
+              <a:rPr lang="en-US" altLang="zh-CN" dirty="0" smtClean="0"/>
+              <a:t>12.</a:t>
+            </a:r>
+            <a:r>
+              <a:rPr lang="zh-CN" altLang="en-US" dirty="0" smtClean="0"/>
+              <a:t> </a:t>
+            </a:r>
+            <a:r>
+              <a:rPr lang="en-US" altLang="zh-CN" dirty="0" smtClean="0"/>
+              <a:t>3!</a:t>
+            </a:r>
+            <a:r>
+              <a:rPr lang="zh-CN" altLang="en-US" dirty="0" smtClean="0"/>
+              <a:t> * </a:t>
+            </a:r>
+            <a:r>
+              <a:rPr lang="en-US" altLang="zh-CN" dirty="0" smtClean="0"/>
+              <a:t>4!</a:t>
+            </a:r>
+            <a:r>
+              <a:rPr lang="zh-CN" altLang="en-US" dirty="0" smtClean="0"/>
+              <a:t> </a:t>
+            </a:r>
+            <a:r>
+              <a:rPr lang="en-US" altLang="zh-CN" dirty="0" smtClean="0"/>
+              <a:t>=</a:t>
+            </a:r>
+            <a:r>
+              <a:rPr lang="zh-CN" altLang="en-US" baseline="0" dirty="0" smtClean="0"/>
+              <a:t> </a:t>
+            </a:r>
+            <a:r>
+              <a:rPr lang="en-US" altLang="zh-CN" baseline="0" smtClean="0"/>
+              <a:t>144</a:t>
+            </a:r>
+            <a:endParaRPr lang="en-US" dirty="0"/>
+          </a:p>
+        </p:txBody>
+      </p:sp>
+      <p:sp>
+        <p:nvSpPr>
+          <p:cNvPr id="4" name="Slide Number Placeholder 3"/>
+          <p:cNvSpPr>
+            <a:spLocks noGrp="1"/>
+          </p:cNvSpPr>
+          <p:nvPr>
+            <p:ph type="sldNum" sz="quarter" idx="10"/>
+          </p:nvPr>
+        </p:nvSpPr>
+        <p:spPr/>
+        <p:txBody>
+          <a:bodyPr/>
+          <a:lstStyle/>
+          <a:p>
+            <a:fld id="{F8217A12-A6ED-4C4A-8400-036634305785}" type="slidenum">
+              <a:rPr lang="en-US" smtClean="0"/>
+              <a:t>22</a:t>
+            </a:fld>
+            <a:endParaRPr lang="en-US"/>
+          </a:p>
+        </p:txBody>
+      </p:sp>
+    </p:spTree>
+    <p:extLst>
+      <p:ext uri="{BB962C8B-B14F-4D97-AF65-F5344CB8AC3E}">
+        <p14:creationId xmlns:p14="http://schemas.microsoft.com/office/powerpoint/2010/main" val="1878728520"/>
+      </p:ext>
+    </p:extLst>
+  </p:cSld>
+  <p:clrMapOvr>
+    <a:masterClrMapping/>
+  </p:clrMapOvr>
+</p:notes>
+</file>
+
+<file path=ppt/notesSlides/notesSlide7.xml><?xml version="1.0" encoding="utf-8"?>
+<p:notes xmlns:a="http://schemas.openxmlformats.org/drawingml/2006/main" xmlns:r="http://schemas.openxmlformats.org/officeDocument/2006/relationships" xmlns:p="http://schemas.openxmlformats.org/presentationml/2006/main">
+  <p:cSld>
+    <p:spTree>
+      <p:nvGrpSpPr>
+        <p:cNvPr id="1" name=""/>
+        <p:cNvGrpSpPr/>
+        <p:nvPr/>
+      </p:nvGrpSpPr>
+      <p:grpSpPr>
+        <a:xfrm>
+          <a:off x="0" y="0"/>
+          <a:ext cx="0" cy="0"/>
+          <a:chOff x="0" y="0"/>
+          <a:chExt cx="0" cy="0"/>
+        </a:xfrm>
+      </p:grpSpPr>
+      <p:sp>
+        <p:nvSpPr>
+          <p:cNvPr id="2" name="Slide Image Placeholder 1"/>
+          <p:cNvSpPr>
+            <a:spLocks noGrp="1" noRot="1" noChangeAspect="1"/>
+          </p:cNvSpPr>
+          <p:nvPr>
+            <p:ph type="sldImg"/>
+          </p:nvPr>
+        </p:nvSpPr>
+        <p:spPr/>
+      </p:sp>
+      <p:sp>
+        <p:nvSpPr>
+          <p:cNvPr id="3" name="Notes Placeholder 2"/>
+          <p:cNvSpPr>
+            <a:spLocks noGrp="1"/>
+          </p:cNvSpPr>
+          <p:nvPr>
+            <p:ph type="body" idx="1"/>
+          </p:nvPr>
+        </p:nvSpPr>
+        <p:spPr/>
+        <p:txBody>
+          <a:bodyPr/>
+          <a:lstStyle/>
+          <a:p>
+            <a:endParaRPr lang="en-US"/>
+          </a:p>
+        </p:txBody>
+      </p:sp>
+      <p:sp>
+        <p:nvSpPr>
+          <p:cNvPr id="4" name="Slide Number Placeholder 3"/>
+          <p:cNvSpPr>
+            <a:spLocks noGrp="1"/>
+          </p:cNvSpPr>
+          <p:nvPr>
+            <p:ph type="sldNum" sz="quarter" idx="10"/>
+          </p:nvPr>
+        </p:nvSpPr>
+        <p:spPr/>
+        <p:txBody>
+          <a:bodyPr/>
+          <a:lstStyle/>
+          <a:p>
+            <a:fld id="{F8217A12-A6ED-4C4A-8400-036634305785}" type="slidenum">
+              <a:rPr lang="en-US" smtClean="0"/>
               <a:t>28</a:t>
             </a:fld>
             <a:endParaRPr lang="en-US"/>
@@ -845,7 +2377,7 @@
 </p:notes>
 </file>
 
-<file path=ppt/notesSlides/notesSlide4.xml><?xml version="1.0" encoding="utf-8"?>
+<file path=ppt/notesSlides/notesSlide8.xml><?xml version="1.0" encoding="utf-8"?>
 <p:notes xmlns:a="http://schemas.openxmlformats.org/drawingml/2006/main" xmlns:r="http://schemas.openxmlformats.org/officeDocument/2006/relationships" xmlns:p="http://schemas.openxmlformats.org/presentationml/2006/main">
   <p:cSld>
     <p:spTree>
@@ -938,7 +2470,7 @@
 </p:notes>
 </file>
 
-<file path=ppt/notesSlides/notesSlide5.xml><?xml version="1.0" encoding="utf-8"?>
+<file path=ppt/notesSlides/notesSlide9.xml><?xml version="1.0" encoding="utf-8"?>
 <p:notes xmlns:a="http://schemas.openxmlformats.org/drawingml/2006/main" xmlns:r="http://schemas.openxmlformats.org/officeDocument/2006/relationships" xmlns:p="http://schemas.openxmlformats.org/presentationml/2006/main">
   <p:cSld>
     <p:spTree>
@@ -1022,378 +2554,6 @@
     <p:extLst>
       <p:ext uri="{BB962C8B-B14F-4D97-AF65-F5344CB8AC3E}">
         <p14:creationId xmlns:p14="http://schemas.microsoft.com/office/powerpoint/2010/main" val="1372978368"/>
-      </p:ext>
-    </p:extLst>
-  </p:cSld>
-  <p:clrMapOvr>
-    <a:masterClrMapping/>
-  </p:clrMapOvr>
-</p:notes>
-</file>
-
-<file path=ppt/notesSlides/notesSlide6.xml><?xml version="1.0" encoding="utf-8"?>
-<p:notes xmlns:a="http://schemas.openxmlformats.org/drawingml/2006/main" xmlns:r="http://schemas.openxmlformats.org/officeDocument/2006/relationships" xmlns:p="http://schemas.openxmlformats.org/presentationml/2006/main">
-  <p:cSld>
-    <p:spTree>
-      <p:nvGrpSpPr>
-        <p:cNvPr id="1" name=""/>
-        <p:cNvGrpSpPr/>
-        <p:nvPr/>
-      </p:nvGrpSpPr>
-      <p:grpSpPr>
-        <a:xfrm>
-          <a:off x="0" y="0"/>
-          <a:ext cx="0" cy="0"/>
-          <a:chOff x="0" y="0"/>
-          <a:chExt cx="0" cy="0"/>
-        </a:xfrm>
-      </p:grpSpPr>
-      <p:sp>
-        <p:nvSpPr>
-          <p:cNvPr id="90114" name="Slide Image Placeholder 1"/>
-          <p:cNvSpPr>
-            <a:spLocks noGrp="1" noRot="1" noChangeAspect="1" noTextEdit="1"/>
-          </p:cNvSpPr>
-          <p:nvPr>
-            <p:ph type="sldImg"/>
-          </p:nvPr>
-        </p:nvSpPr>
-        <p:spPr>
-          <a:ln/>
-        </p:spPr>
-      </p:sp>
-      <p:sp>
-        <p:nvSpPr>
-          <p:cNvPr id="90115" name="Notes Placeholder 2"/>
-          <p:cNvSpPr>
-            <a:spLocks noGrp="1"/>
-          </p:cNvSpPr>
-          <p:nvPr>
-            <p:ph type="body" idx="1"/>
-          </p:nvPr>
-        </p:nvSpPr>
-        <p:spPr>
-          <a:noFill/>
-          <a:ln/>
-        </p:spPr>
-        <p:txBody>
-          <a:bodyPr/>
-          <a:lstStyle/>
-          <a:p>
-            <a:pPr eaLnBrk="1" hangingPunct="1"/>
-            <a:endParaRPr lang="en-CA"/>
-          </a:p>
-        </p:txBody>
-      </p:sp>
-      <p:sp>
-        <p:nvSpPr>
-          <p:cNvPr id="90116" name="Slide Number Placeholder 3"/>
-          <p:cNvSpPr>
-            <a:spLocks noGrp="1"/>
-          </p:cNvSpPr>
-          <p:nvPr>
-            <p:ph type="sldNum" sz="quarter" idx="5"/>
-          </p:nvPr>
-        </p:nvSpPr>
-        <p:spPr>
-          <a:noFill/>
-        </p:spPr>
-        <p:txBody>
-          <a:bodyPr/>
-          <a:lstStyle/>
-          <a:p>
-            <a:fld id="{2AB498E0-9712-46C0-9267-57601645546F}" type="slidenum">
-              <a:rPr lang="en-US" smtClean="0"/>
-              <a:pPr/>
-              <a:t>32</a:t>
-            </a:fld>
-            <a:endParaRPr lang="en-US"/>
-          </a:p>
-        </p:txBody>
-      </p:sp>
-    </p:spTree>
-    <p:extLst>
-      <p:ext uri="{BB962C8B-B14F-4D97-AF65-F5344CB8AC3E}">
-        <p14:creationId xmlns:p14="http://schemas.microsoft.com/office/powerpoint/2010/main" val="1492789193"/>
-      </p:ext>
-    </p:extLst>
-  </p:cSld>
-  <p:clrMapOvr>
-    <a:masterClrMapping/>
-  </p:clrMapOvr>
-</p:notes>
-</file>
-
-<file path=ppt/notesSlides/notesSlide7.xml><?xml version="1.0" encoding="utf-8"?>
-<p:notes xmlns:a="http://schemas.openxmlformats.org/drawingml/2006/main" xmlns:r="http://schemas.openxmlformats.org/officeDocument/2006/relationships" xmlns:p="http://schemas.openxmlformats.org/presentationml/2006/main">
-  <p:cSld>
-    <p:spTree>
-      <p:nvGrpSpPr>
-        <p:cNvPr id="1" name=""/>
-        <p:cNvGrpSpPr/>
-        <p:nvPr/>
-      </p:nvGrpSpPr>
-      <p:grpSpPr>
-        <a:xfrm>
-          <a:off x="0" y="0"/>
-          <a:ext cx="0" cy="0"/>
-          <a:chOff x="0" y="0"/>
-          <a:chExt cx="0" cy="0"/>
-        </a:xfrm>
-      </p:grpSpPr>
-      <p:sp>
-        <p:nvSpPr>
-          <p:cNvPr id="91138" name="Slide Image Placeholder 1"/>
-          <p:cNvSpPr>
-            <a:spLocks noGrp="1" noRot="1" noChangeAspect="1" noTextEdit="1"/>
-          </p:cNvSpPr>
-          <p:nvPr>
-            <p:ph type="sldImg"/>
-          </p:nvPr>
-        </p:nvSpPr>
-        <p:spPr>
-          <a:ln/>
-        </p:spPr>
-      </p:sp>
-      <p:sp>
-        <p:nvSpPr>
-          <p:cNvPr id="91139" name="Notes Placeholder 2"/>
-          <p:cNvSpPr>
-            <a:spLocks noGrp="1"/>
-          </p:cNvSpPr>
-          <p:nvPr>
-            <p:ph type="body" idx="1"/>
-          </p:nvPr>
-        </p:nvSpPr>
-        <p:spPr>
-          <a:noFill/>
-          <a:ln/>
-        </p:spPr>
-        <p:txBody>
-          <a:bodyPr/>
-          <a:lstStyle/>
-          <a:p>
-            <a:pPr eaLnBrk="1" hangingPunct="1"/>
-            <a:endParaRPr lang="en-CA"/>
-          </a:p>
-        </p:txBody>
-      </p:sp>
-      <p:sp>
-        <p:nvSpPr>
-          <p:cNvPr id="91140" name="Slide Number Placeholder 3"/>
-          <p:cNvSpPr>
-            <a:spLocks noGrp="1"/>
-          </p:cNvSpPr>
-          <p:nvPr>
-            <p:ph type="sldNum" sz="quarter" idx="5"/>
-          </p:nvPr>
-        </p:nvSpPr>
-        <p:spPr>
-          <a:noFill/>
-        </p:spPr>
-        <p:txBody>
-          <a:bodyPr/>
-          <a:lstStyle/>
-          <a:p>
-            <a:fld id="{425AD9B0-36EF-4123-86AF-E14CA37AC99C}" type="slidenum">
-              <a:rPr lang="en-US" smtClean="0"/>
-              <a:pPr/>
-              <a:t>33</a:t>
-            </a:fld>
-            <a:endParaRPr lang="en-US"/>
-          </a:p>
-        </p:txBody>
-      </p:sp>
-    </p:spTree>
-    <p:extLst>
-      <p:ext uri="{BB962C8B-B14F-4D97-AF65-F5344CB8AC3E}">
-        <p14:creationId xmlns:p14="http://schemas.microsoft.com/office/powerpoint/2010/main" val="1312632421"/>
-      </p:ext>
-    </p:extLst>
-  </p:cSld>
-  <p:clrMapOvr>
-    <a:masterClrMapping/>
-  </p:clrMapOvr>
-</p:notes>
-</file>
-
-<file path=ppt/notesSlides/notesSlide8.xml><?xml version="1.0" encoding="utf-8"?>
-<p:notes xmlns:a="http://schemas.openxmlformats.org/drawingml/2006/main" xmlns:r="http://schemas.openxmlformats.org/officeDocument/2006/relationships" xmlns:p="http://schemas.openxmlformats.org/presentationml/2006/main">
-  <p:cSld>
-    <p:spTree>
-      <p:nvGrpSpPr>
-        <p:cNvPr id="1" name=""/>
-        <p:cNvGrpSpPr/>
-        <p:nvPr/>
-      </p:nvGrpSpPr>
-      <p:grpSpPr>
-        <a:xfrm>
-          <a:off x="0" y="0"/>
-          <a:ext cx="0" cy="0"/>
-          <a:chOff x="0" y="0"/>
-          <a:chExt cx="0" cy="0"/>
-        </a:xfrm>
-      </p:grpSpPr>
-      <p:sp>
-        <p:nvSpPr>
-          <p:cNvPr id="92162" name="Slide Image Placeholder 1"/>
-          <p:cNvSpPr>
-            <a:spLocks noGrp="1" noRot="1" noChangeAspect="1" noTextEdit="1"/>
-          </p:cNvSpPr>
-          <p:nvPr>
-            <p:ph type="sldImg"/>
-          </p:nvPr>
-        </p:nvSpPr>
-        <p:spPr>
-          <a:ln/>
-        </p:spPr>
-      </p:sp>
-      <p:sp>
-        <p:nvSpPr>
-          <p:cNvPr id="92163" name="Notes Placeholder 2"/>
-          <p:cNvSpPr>
-            <a:spLocks noGrp="1"/>
-          </p:cNvSpPr>
-          <p:nvPr>
-            <p:ph type="body" idx="1"/>
-          </p:nvPr>
-        </p:nvSpPr>
-        <p:spPr>
-          <a:noFill/>
-          <a:ln/>
-        </p:spPr>
-        <p:txBody>
-          <a:bodyPr/>
-          <a:lstStyle/>
-          <a:p>
-            <a:pPr eaLnBrk="1" hangingPunct="1"/>
-            <a:endParaRPr lang="en-CA"/>
-          </a:p>
-        </p:txBody>
-      </p:sp>
-      <p:sp>
-        <p:nvSpPr>
-          <p:cNvPr id="92164" name="Slide Number Placeholder 3"/>
-          <p:cNvSpPr>
-            <a:spLocks noGrp="1"/>
-          </p:cNvSpPr>
-          <p:nvPr>
-            <p:ph type="sldNum" sz="quarter" idx="5"/>
-          </p:nvPr>
-        </p:nvSpPr>
-        <p:spPr>
-          <a:noFill/>
-        </p:spPr>
-        <p:txBody>
-          <a:bodyPr/>
-          <a:lstStyle/>
-          <a:p>
-            <a:fld id="{EB8E3AFB-4773-47A3-A59F-F726204442A2}" type="slidenum">
-              <a:rPr lang="en-US" smtClean="0"/>
-              <a:pPr/>
-              <a:t>34</a:t>
-            </a:fld>
-            <a:endParaRPr lang="en-US"/>
-          </a:p>
-        </p:txBody>
-      </p:sp>
-    </p:spTree>
-    <p:extLst>
-      <p:ext uri="{BB962C8B-B14F-4D97-AF65-F5344CB8AC3E}">
-        <p14:creationId xmlns:p14="http://schemas.microsoft.com/office/powerpoint/2010/main" val="651437874"/>
-      </p:ext>
-    </p:extLst>
-  </p:cSld>
-  <p:clrMapOvr>
-    <a:masterClrMapping/>
-  </p:clrMapOvr>
-</p:notes>
-</file>
-
-<file path=ppt/notesSlides/notesSlide9.xml><?xml version="1.0" encoding="utf-8"?>
-<p:notes xmlns:a="http://schemas.openxmlformats.org/drawingml/2006/main" xmlns:r="http://schemas.openxmlformats.org/officeDocument/2006/relationships" xmlns:p="http://schemas.openxmlformats.org/presentationml/2006/main">
-  <p:cSld>
-    <p:spTree>
-      <p:nvGrpSpPr>
-        <p:cNvPr id="1" name=""/>
-        <p:cNvGrpSpPr/>
-        <p:nvPr/>
-      </p:nvGrpSpPr>
-      <p:grpSpPr>
-        <a:xfrm>
-          <a:off x="0" y="0"/>
-          <a:ext cx="0" cy="0"/>
-          <a:chOff x="0" y="0"/>
-          <a:chExt cx="0" cy="0"/>
-        </a:xfrm>
-      </p:grpSpPr>
-      <p:sp>
-        <p:nvSpPr>
-          <p:cNvPr id="94210" name="Slide Image Placeholder 1"/>
-          <p:cNvSpPr>
-            <a:spLocks noGrp="1" noRot="1" noChangeAspect="1" noTextEdit="1"/>
-          </p:cNvSpPr>
-          <p:nvPr>
-            <p:ph type="sldImg"/>
-          </p:nvPr>
-        </p:nvSpPr>
-        <p:spPr>
-          <a:ln/>
-        </p:spPr>
-      </p:sp>
-      <p:sp>
-        <p:nvSpPr>
-          <p:cNvPr id="94211" name="Notes Placeholder 2"/>
-          <p:cNvSpPr>
-            <a:spLocks noGrp="1"/>
-          </p:cNvSpPr>
-          <p:nvPr>
-            <p:ph type="body" idx="1"/>
-          </p:nvPr>
-        </p:nvSpPr>
-        <p:spPr>
-          <a:noFill/>
-          <a:ln/>
-        </p:spPr>
-        <p:txBody>
-          <a:bodyPr/>
-          <a:lstStyle/>
-          <a:p>
-            <a:pPr eaLnBrk="1" hangingPunct="1"/>
-            <a:endParaRPr lang="en-CA"/>
-          </a:p>
-        </p:txBody>
-      </p:sp>
-      <p:sp>
-        <p:nvSpPr>
-          <p:cNvPr id="94212" name="Slide Number Placeholder 3"/>
-          <p:cNvSpPr>
-            <a:spLocks noGrp="1"/>
-          </p:cNvSpPr>
-          <p:nvPr>
-            <p:ph type="sldNum" sz="quarter" idx="5"/>
-          </p:nvPr>
-        </p:nvSpPr>
-        <p:spPr>
-          <a:noFill/>
-        </p:spPr>
-        <p:txBody>
-          <a:bodyPr/>
-          <a:lstStyle/>
-          <a:p>
-            <a:fld id="{00BABBDB-5FBD-4316-986C-8645DAFC9BD2}" type="slidenum">
-              <a:rPr lang="en-US" smtClean="0"/>
-              <a:pPr/>
-              <a:t>35</a:t>
-            </a:fld>
-            <a:endParaRPr lang="en-US"/>
-          </a:p>
-        </p:txBody>
-      </p:sp>
-    </p:spTree>
-    <p:extLst>
-      <p:ext uri="{BB962C8B-B14F-4D97-AF65-F5344CB8AC3E}">
-        <p14:creationId xmlns:p14="http://schemas.microsoft.com/office/powerpoint/2010/main" val="125942667"/>
       </p:ext>
     </p:extLst>
   </p:cSld>
@@ -1533,7 +2693,7 @@
           <a:p>
             <a:fld id="{7A96D2C3-D524-FD4E-81C9-411C7C1E9B23}" type="datetime1">
               <a:rPr lang="en-US" smtClean="0"/>
-              <a:t>9/11/18</a:t>
+              <a:t>12/10/18</a:t>
             </a:fld>
             <a:endParaRPr lang="en-US"/>
           </a:p>
@@ -1703,7 +2863,7 @@
           <a:p>
             <a:fld id="{A9B43DCA-3FD5-5D43-B5CE-CA361957B2B6}" type="datetime1">
               <a:rPr lang="en-US" smtClean="0"/>
-              <a:t>9/11/18</a:t>
+              <a:t>12/10/18</a:t>
             </a:fld>
             <a:endParaRPr lang="en-US"/>
           </a:p>
@@ -1883,7 +3043,7 @@
           <a:p>
             <a:fld id="{32122C98-C34A-2349-9E85-5227397A63B9}" type="datetime1">
               <a:rPr lang="en-US" smtClean="0"/>
-              <a:t>9/11/18</a:t>
+              <a:t>12/10/18</a:t>
             </a:fld>
             <a:endParaRPr lang="en-US"/>
           </a:p>
@@ -2055,7 +3215,7 @@
           <a:p>
             <a:fld id="{91CCA21F-9FA2-3D48-A07E-79BD600F01B1}" type="datetime1">
               <a:rPr lang="en-US" smtClean="0"/>
-              <a:t>9/11/18</a:t>
+              <a:t>12/10/18</a:t>
             </a:fld>
             <a:endParaRPr lang="en-US"/>
           </a:p>
@@ -2299,7 +3459,7 @@
           <a:p>
             <a:fld id="{5BDB20BB-0FE8-6E4A-9013-CB1FC168B236}" type="datetime1">
               <a:rPr lang="en-US" smtClean="0"/>
-              <a:t>9/11/18</a:t>
+              <a:t>12/10/18</a:t>
             </a:fld>
             <a:endParaRPr lang="en-US"/>
           </a:p>
@@ -2531,7 +3691,7 @@
           <a:p>
             <a:fld id="{104AC26F-CAF5-9E40-A0B5-880495157446}" type="datetime1">
               <a:rPr lang="en-US" smtClean="0"/>
-              <a:t>9/11/18</a:t>
+              <a:t>12/10/18</a:t>
             </a:fld>
             <a:endParaRPr lang="en-US"/>
           </a:p>
@@ -2898,7 +4058,7 @@
           <a:p>
             <a:fld id="{2878F1C4-8DA3-8143-9ACC-DB76B2A05396}" type="datetime1">
               <a:rPr lang="en-US" smtClean="0"/>
-              <a:t>9/11/18</a:t>
+              <a:t>12/10/18</a:t>
             </a:fld>
             <a:endParaRPr lang="en-US"/>
           </a:p>
@@ -3016,7 +4176,7 @@
           <a:p>
             <a:fld id="{71906A2D-6050-7045-A157-CB743ED35983}" type="datetime1">
               <a:rPr lang="en-US" smtClean="0"/>
-              <a:t>9/11/18</a:t>
+              <a:t>12/10/18</a:t>
             </a:fld>
             <a:endParaRPr lang="en-US"/>
           </a:p>
@@ -3111,7 +4271,7 @@
           <a:p>
             <a:fld id="{C8888478-5049-3D4A-9C30-97E10A2B23CA}" type="datetime1">
               <a:rPr lang="en-US" smtClean="0"/>
-              <a:t>9/11/18</a:t>
+              <a:t>12/10/18</a:t>
             </a:fld>
             <a:endParaRPr lang="en-US"/>
           </a:p>
@@ -3388,7 +4548,7 @@
           <a:p>
             <a:fld id="{FDE9895C-B39F-0A47-9EC8-A00BA354665B}" type="datetime1">
               <a:rPr lang="en-US" smtClean="0"/>
-              <a:t>9/11/18</a:t>
+              <a:t>12/10/18</a:t>
             </a:fld>
             <a:endParaRPr lang="en-US"/>
           </a:p>
@@ -3645,7 +4805,7 @@
           <a:p>
             <a:fld id="{0A7AECA7-5572-9C49-AF23-0F93CB8C2AC7}" type="datetime1">
               <a:rPr lang="en-US" smtClean="0"/>
-              <a:t>9/11/18</a:t>
+              <a:t>12/10/18</a:t>
             </a:fld>
             <a:endParaRPr lang="en-US"/>
           </a:p>
@@ -3858,7 +5018,7 @@
           <a:p>
             <a:fld id="{0A0603F5-5F39-2B41-A689-D3C04625B391}" type="datetime1">
               <a:rPr lang="en-US" smtClean="0"/>
-              <a:t>9/11/18</a:t>
+              <a:t>12/10/18</a:t>
             </a:fld>
             <a:endParaRPr lang="en-US"/>
           </a:p>
@@ -4269,7 +5429,7 @@
           <p:cNvPr id="2" name="Title 1">
             <a:extLst>
               <a:ext uri="{FF2B5EF4-FFF2-40B4-BE49-F238E27FC236}">
-                <a16:creationId xmlns="" xmlns:a16="http://schemas.microsoft.com/office/drawing/2014/main" id="{0E956A24-C190-3747-B8CD-1F8673245EDF}"/>
+                <a16:creationId xmlns:a16="http://schemas.microsoft.com/office/drawing/2014/main" xmlns="" id="{0E956A24-C190-3747-B8CD-1F8673245EDF}"/>
               </a:ext>
             </a:extLst>
           </p:cNvPr>
@@ -4331,7 +5491,7 @@
           <p:cNvPr id="3" name="Subtitle 2">
             <a:extLst>
               <a:ext uri="{FF2B5EF4-FFF2-40B4-BE49-F238E27FC236}">
-                <a16:creationId xmlns="" xmlns:a16="http://schemas.microsoft.com/office/drawing/2014/main" id="{09A3EF78-0BCF-F24C-835B-DDDA774EA0B6}"/>
+                <a16:creationId xmlns:a16="http://schemas.microsoft.com/office/drawing/2014/main" xmlns="" id="{09A3EF78-0BCF-F24C-835B-DDDA774EA0B6}"/>
               </a:ext>
             </a:extLst>
           </p:cNvPr>
@@ -4384,7 +5544,7 @@
           <p:cNvPr id="4" name="Slide Number Placeholder 3">
             <a:extLst>
               <a:ext uri="{FF2B5EF4-FFF2-40B4-BE49-F238E27FC236}">
-                <a16:creationId xmlns="" xmlns:a16="http://schemas.microsoft.com/office/drawing/2014/main" id="{8CF9297D-5A48-924F-A10F-D761D37F79D0}"/>
+                <a16:creationId xmlns:a16="http://schemas.microsoft.com/office/drawing/2014/main" xmlns="" id="{8CF9297D-5A48-924F-A10F-D761D37F79D0}"/>
               </a:ext>
             </a:extLst>
           </p:cNvPr>
@@ -7080,11 +8240,7 @@
             </a:r>
             <a:r>
               <a:rPr lang="en-US" altLang="zh-CN" dirty="0" smtClean="0"/>
-              <a:t>&lt;Age</a:t>
-            </a:r>
-            <a:r>
-              <a:rPr lang="en-US" altLang="zh-CN" dirty="0" smtClean="0"/>
-              <a:t>&gt;</a:t>
+              <a:t>&lt;Age&gt;</a:t>
             </a:r>
             <a:r>
               <a:rPr lang="zh-CN" altLang="en-US" dirty="0" smtClean="0"/>
@@ -7485,7 +8641,7 @@
           <p:cNvPr id="2" name="Title 1">
             <a:extLst>
               <a:ext uri="{FF2B5EF4-FFF2-40B4-BE49-F238E27FC236}">
-                <a16:creationId xmlns="" xmlns:a16="http://schemas.microsoft.com/office/drawing/2014/main" id="{94501782-B7C7-6842-976A-473B00DFA4A9}"/>
+                <a16:creationId xmlns:a16="http://schemas.microsoft.com/office/drawing/2014/main" xmlns="" id="{94501782-B7C7-6842-976A-473B00DFA4A9}"/>
               </a:ext>
             </a:extLst>
           </p:cNvPr>
@@ -7513,7 +8669,7 @@
           <p:cNvPr id="3" name="Content Placeholder 2">
             <a:extLst>
               <a:ext uri="{FF2B5EF4-FFF2-40B4-BE49-F238E27FC236}">
-                <a16:creationId xmlns="" xmlns:a16="http://schemas.microsoft.com/office/drawing/2014/main" id="{C8090023-957A-D44A-9A68-C67904302C30}"/>
+                <a16:creationId xmlns:a16="http://schemas.microsoft.com/office/drawing/2014/main" xmlns="" id="{C8090023-957A-D44A-9A68-C67904302C30}"/>
               </a:ext>
             </a:extLst>
           </p:cNvPr>
@@ -7666,7 +8822,7 @@
           <p:cNvPr id="4" name="Slide Number Placeholder 3">
             <a:extLst>
               <a:ext uri="{FF2B5EF4-FFF2-40B4-BE49-F238E27FC236}">
-                <a16:creationId xmlns="" xmlns:a16="http://schemas.microsoft.com/office/drawing/2014/main" id="{C730120B-DC91-3A4B-9010-90A056D4691D}"/>
+                <a16:creationId xmlns:a16="http://schemas.microsoft.com/office/drawing/2014/main" xmlns="" id="{C730120B-DC91-3A4B-9010-90A056D4691D}"/>
               </a:ext>
             </a:extLst>
           </p:cNvPr>
@@ -16165,7 +17321,6 @@
               <a:rPr lang="en-US" altLang="zh-CN" sz="2800" dirty="0" smtClean="0"/>
               <a:t>“rows”</a:t>
             </a:r>
-            <a:endParaRPr lang="en-US" altLang="zh-CN" sz="2800" dirty="0" smtClean="0"/>
           </a:p>
           <a:p>
             <a:pPr marL="342900" indent="-342900">
@@ -16215,7 +17370,6 @@
               <a:rPr lang="en-US" altLang="zh-CN" sz="2800" dirty="0" smtClean="0"/>
               <a:t>“columns”</a:t>
             </a:r>
-            <a:endParaRPr lang="en-US" altLang="zh-CN" sz="2800" dirty="0" smtClean="0"/>
           </a:p>
           <a:p>
             <a:pPr marL="342900" indent="-342900">
@@ -16257,7 +17411,6 @@
               <a:rPr lang="en-US" altLang="zh-CN" sz="2800" dirty="0" smtClean="0"/>
               <a:t>“table”</a:t>
             </a:r>
-            <a:endParaRPr lang="en-US" altLang="zh-CN" sz="2800" dirty="0" smtClean="0"/>
           </a:p>
           <a:p>
             <a:pPr marL="342900" indent="-342900">
@@ -16380,7 +17533,7 @@
           <p:cNvPr id="2" name="Title 1">
             <a:extLst>
               <a:ext uri="{FF2B5EF4-FFF2-40B4-BE49-F238E27FC236}">
-                <a16:creationId xmlns="" xmlns:a16="http://schemas.microsoft.com/office/drawing/2014/main" id="{94501782-B7C7-6842-976A-473B00DFA4A9}"/>
+                <a16:creationId xmlns:a16="http://schemas.microsoft.com/office/drawing/2014/main" xmlns="" id="{94501782-B7C7-6842-976A-473B00DFA4A9}"/>
               </a:ext>
             </a:extLst>
           </p:cNvPr>
@@ -16408,7 +17561,7 @@
           <p:cNvPr id="3" name="Content Placeholder 2">
             <a:extLst>
               <a:ext uri="{FF2B5EF4-FFF2-40B4-BE49-F238E27FC236}">
-                <a16:creationId xmlns="" xmlns:a16="http://schemas.microsoft.com/office/drawing/2014/main" id="{C8090023-957A-D44A-9A68-C67904302C30}"/>
+                <a16:creationId xmlns:a16="http://schemas.microsoft.com/office/drawing/2014/main" xmlns="" id="{C8090023-957A-D44A-9A68-C67904302C30}"/>
               </a:ext>
             </a:extLst>
           </p:cNvPr>
@@ -16561,7 +17714,7 @@
           <p:cNvPr id="4" name="Slide Number Placeholder 3">
             <a:extLst>
               <a:ext uri="{FF2B5EF4-FFF2-40B4-BE49-F238E27FC236}">
-                <a16:creationId xmlns="" xmlns:a16="http://schemas.microsoft.com/office/drawing/2014/main" id="{C730120B-DC91-3A4B-9010-90A056D4691D}"/>
+                <a16:creationId xmlns:a16="http://schemas.microsoft.com/office/drawing/2014/main" xmlns="" id="{C730120B-DC91-3A4B-9010-90A056D4691D}"/>
               </a:ext>
             </a:extLst>
           </p:cNvPr>
@@ -28673,7 +29826,7 @@
           <p:cNvPr id="2" name="Title 1">
             <a:extLst>
               <a:ext uri="{FF2B5EF4-FFF2-40B4-BE49-F238E27FC236}">
-                <a16:creationId xmlns="" xmlns:a16="http://schemas.microsoft.com/office/drawing/2014/main" id="{94501782-B7C7-6842-976A-473B00DFA4A9}"/>
+                <a16:creationId xmlns:a16="http://schemas.microsoft.com/office/drawing/2014/main" xmlns="" id="{94501782-B7C7-6842-976A-473B00DFA4A9}"/>
               </a:ext>
             </a:extLst>
           </p:cNvPr>
@@ -28701,7 +29854,7 @@
           <p:cNvPr id="3" name="Content Placeholder 2">
             <a:extLst>
               <a:ext uri="{FF2B5EF4-FFF2-40B4-BE49-F238E27FC236}">
-                <a16:creationId xmlns="" xmlns:a16="http://schemas.microsoft.com/office/drawing/2014/main" id="{C8090023-957A-D44A-9A68-C67904302C30}"/>
+                <a16:creationId xmlns:a16="http://schemas.microsoft.com/office/drawing/2014/main" xmlns="" id="{C8090023-957A-D44A-9A68-C67904302C30}"/>
               </a:ext>
             </a:extLst>
           </p:cNvPr>
@@ -28854,7 +30007,7 @@
           <p:cNvPr id="4" name="Slide Number Placeholder 3">
             <a:extLst>
               <a:ext uri="{FF2B5EF4-FFF2-40B4-BE49-F238E27FC236}">
-                <a16:creationId xmlns="" xmlns:a16="http://schemas.microsoft.com/office/drawing/2014/main" id="{C730120B-DC91-3A4B-9010-90A056D4691D}"/>
+                <a16:creationId xmlns:a16="http://schemas.microsoft.com/office/drawing/2014/main" xmlns="" id="{C730120B-DC91-3A4B-9010-90A056D4691D}"/>
               </a:ext>
             </a:extLst>
           </p:cNvPr>
@@ -28920,7 +30073,7 @@
           <p:cNvPr id="2" name="Title 1">
             <a:extLst>
               <a:ext uri="{FF2B5EF4-FFF2-40B4-BE49-F238E27FC236}">
-                <a16:creationId xmlns="" xmlns:a16="http://schemas.microsoft.com/office/drawing/2014/main" id="{94501782-B7C7-6842-976A-473B00DFA4A9}"/>
+                <a16:creationId xmlns:a16="http://schemas.microsoft.com/office/drawing/2014/main" xmlns="" id="{94501782-B7C7-6842-976A-473B00DFA4A9}"/>
               </a:ext>
             </a:extLst>
           </p:cNvPr>
@@ -28948,7 +30101,7 @@
           <p:cNvPr id="3" name="Content Placeholder 2">
             <a:extLst>
               <a:ext uri="{FF2B5EF4-FFF2-40B4-BE49-F238E27FC236}">
-                <a16:creationId xmlns="" xmlns:a16="http://schemas.microsoft.com/office/drawing/2014/main" id="{C8090023-957A-D44A-9A68-C67904302C30}"/>
+                <a16:creationId xmlns:a16="http://schemas.microsoft.com/office/drawing/2014/main" xmlns="" id="{C8090023-957A-D44A-9A68-C67904302C30}"/>
               </a:ext>
             </a:extLst>
           </p:cNvPr>
@@ -29101,7 +30254,7 @@
           <p:cNvPr id="4" name="Slide Number Placeholder 3">
             <a:extLst>
               <a:ext uri="{FF2B5EF4-FFF2-40B4-BE49-F238E27FC236}">
-                <a16:creationId xmlns="" xmlns:a16="http://schemas.microsoft.com/office/drawing/2014/main" id="{C730120B-DC91-3A4B-9010-90A056D4691D}"/>
+                <a16:creationId xmlns:a16="http://schemas.microsoft.com/office/drawing/2014/main" xmlns="" id="{C730120B-DC91-3A4B-9010-90A056D4691D}"/>
               </a:ext>
             </a:extLst>
           </p:cNvPr>
@@ -33004,7 +34157,7 @@
           <p:cNvPr id="4" name="Slide Number Placeholder 3">
             <a:extLst>
               <a:ext uri="{FF2B5EF4-FFF2-40B4-BE49-F238E27FC236}">
-                <a16:creationId xmlns="" xmlns:a16="http://schemas.microsoft.com/office/drawing/2014/main" id="{DD140D70-CF44-D54B-9AE3-D29B681A0D33}"/>
+                <a16:creationId xmlns:a16="http://schemas.microsoft.com/office/drawing/2014/main" xmlns="" id="{DD140D70-CF44-D54B-9AE3-D29B681A0D33}"/>
               </a:ext>
             </a:extLst>
           </p:cNvPr>
@@ -33410,7 +34563,7 @@
           <p:cNvPr id="2" name="Title 1">
             <a:extLst>
               <a:ext uri="{FF2B5EF4-FFF2-40B4-BE49-F238E27FC236}">
-                <a16:creationId xmlns="" xmlns:a16="http://schemas.microsoft.com/office/drawing/2014/main" id="{6571E471-A827-F244-802A-1CF7493D12AB}"/>
+                <a16:creationId xmlns:a16="http://schemas.microsoft.com/office/drawing/2014/main" xmlns="" id="{6571E471-A827-F244-802A-1CF7493D12AB}"/>
               </a:ext>
             </a:extLst>
           </p:cNvPr>
@@ -33463,7 +34616,7 @@
           <p:cNvPr id="6" name="Rectangle 5">
             <a:extLst>
               <a:ext uri="{FF2B5EF4-FFF2-40B4-BE49-F238E27FC236}">
-                <a16:creationId xmlns="" xmlns:a16="http://schemas.microsoft.com/office/drawing/2014/main" id="{A74E337A-53E2-FD4E-A5A8-9BEDDE6C21ED}"/>
+                <a16:creationId xmlns:a16="http://schemas.microsoft.com/office/drawing/2014/main" xmlns="" id="{A74E337A-53E2-FD4E-A5A8-9BEDDE6C21ED}"/>
               </a:ext>
             </a:extLst>
           </p:cNvPr>
@@ -33529,7 +34682,7 @@
           <p:cNvPr id="7" name="Rectangle 6">
             <a:extLst>
               <a:ext uri="{FF2B5EF4-FFF2-40B4-BE49-F238E27FC236}">
-                <a16:creationId xmlns="" xmlns:a16="http://schemas.microsoft.com/office/drawing/2014/main" id="{7C1D6382-0561-2746-A533-5331BC95A0DC}"/>
+                <a16:creationId xmlns:a16="http://schemas.microsoft.com/office/drawing/2014/main" xmlns="" id="{7C1D6382-0561-2746-A533-5331BC95A0DC}"/>
               </a:ext>
             </a:extLst>
           </p:cNvPr>
@@ -33595,7 +34748,7 @@
           <p:cNvPr id="8" name="Rectangle 7">
             <a:extLst>
               <a:ext uri="{FF2B5EF4-FFF2-40B4-BE49-F238E27FC236}">
-                <a16:creationId xmlns="" xmlns:a16="http://schemas.microsoft.com/office/drawing/2014/main" id="{3287F26A-6039-324C-8C08-7D398BF96C8B}"/>
+                <a16:creationId xmlns:a16="http://schemas.microsoft.com/office/drawing/2014/main" xmlns="" id="{3287F26A-6039-324C-8C08-7D398BF96C8B}"/>
               </a:ext>
             </a:extLst>
           </p:cNvPr>
@@ -33685,7 +34838,7 @@
           <p:cNvPr id="9" name="Document 8">
             <a:extLst>
               <a:ext uri="{FF2B5EF4-FFF2-40B4-BE49-F238E27FC236}">
-                <a16:creationId xmlns="" xmlns:a16="http://schemas.microsoft.com/office/drawing/2014/main" id="{19D52B52-075E-0647-ADA0-2BB87A5C836C}"/>
+                <a16:creationId xmlns:a16="http://schemas.microsoft.com/office/drawing/2014/main" xmlns="" id="{19D52B52-075E-0647-ADA0-2BB87A5C836C}"/>
               </a:ext>
             </a:extLst>
           </p:cNvPr>
@@ -33743,7 +34896,7 @@
           <p:cNvPr id="10" name="Document 9">
             <a:extLst>
               <a:ext uri="{FF2B5EF4-FFF2-40B4-BE49-F238E27FC236}">
-                <a16:creationId xmlns="" xmlns:a16="http://schemas.microsoft.com/office/drawing/2014/main" id="{B434DA5E-6E3D-F446-8D33-62449E9458EA}"/>
+                <a16:creationId xmlns:a16="http://schemas.microsoft.com/office/drawing/2014/main" xmlns="" id="{B434DA5E-6E3D-F446-8D33-62449E9458EA}"/>
               </a:ext>
             </a:extLst>
           </p:cNvPr>
@@ -33801,7 +34954,7 @@
           <p:cNvPr id="11" name="Document 10">
             <a:extLst>
               <a:ext uri="{FF2B5EF4-FFF2-40B4-BE49-F238E27FC236}">
-                <a16:creationId xmlns="" xmlns:a16="http://schemas.microsoft.com/office/drawing/2014/main" id="{F5694C89-4FFB-CD44-99A1-44978108B0EC}"/>
+                <a16:creationId xmlns:a16="http://schemas.microsoft.com/office/drawing/2014/main" xmlns="" id="{F5694C89-4FFB-CD44-99A1-44978108B0EC}"/>
               </a:ext>
             </a:extLst>
           </p:cNvPr>
@@ -33859,7 +35012,7 @@
           <p:cNvPr id="12" name="TextBox 11">
             <a:extLst>
               <a:ext uri="{FF2B5EF4-FFF2-40B4-BE49-F238E27FC236}">
-                <a16:creationId xmlns="" xmlns:a16="http://schemas.microsoft.com/office/drawing/2014/main" id="{4D446323-3DE3-9D44-9BBA-78865533319E}"/>
+                <a16:creationId xmlns:a16="http://schemas.microsoft.com/office/drawing/2014/main" xmlns="" id="{4D446323-3DE3-9D44-9BBA-78865533319E}"/>
               </a:ext>
             </a:extLst>
           </p:cNvPr>
@@ -33907,7 +35060,7 @@
           <p:cNvPr id="13" name="Can 12">
             <a:extLst>
               <a:ext uri="{FF2B5EF4-FFF2-40B4-BE49-F238E27FC236}">
-                <a16:creationId xmlns="" xmlns:a16="http://schemas.microsoft.com/office/drawing/2014/main" id="{527CA1BB-4D26-9A43-8A64-C245C9B1B617}"/>
+                <a16:creationId xmlns:a16="http://schemas.microsoft.com/office/drawing/2014/main" xmlns="" id="{527CA1BB-4D26-9A43-8A64-C245C9B1B617}"/>
               </a:ext>
             </a:extLst>
           </p:cNvPr>
@@ -33956,7 +35109,7 @@
           <p:cNvPr id="14" name="Straight Arrow Connector 13">
             <a:extLst>
               <a:ext uri="{FF2B5EF4-FFF2-40B4-BE49-F238E27FC236}">
-                <a16:creationId xmlns="" xmlns:a16="http://schemas.microsoft.com/office/drawing/2014/main" id="{29CB1910-5628-E040-B1E3-66902569D9D0}"/>
+                <a16:creationId xmlns:a16="http://schemas.microsoft.com/office/drawing/2014/main" xmlns="" id="{29CB1910-5628-E040-B1E3-66902569D9D0}"/>
               </a:ext>
             </a:extLst>
           </p:cNvPr>
@@ -33999,7 +35152,7 @@
           <p:cNvPr id="17" name="Straight Arrow Connector 16">
             <a:extLst>
               <a:ext uri="{FF2B5EF4-FFF2-40B4-BE49-F238E27FC236}">
-                <a16:creationId xmlns="" xmlns:a16="http://schemas.microsoft.com/office/drawing/2014/main" id="{18BC1FB8-6583-1B4D-A7B0-28A774163B56}"/>
+                <a16:creationId xmlns:a16="http://schemas.microsoft.com/office/drawing/2014/main" xmlns="" id="{18BC1FB8-6583-1B4D-A7B0-28A774163B56}"/>
               </a:ext>
             </a:extLst>
           </p:cNvPr>
@@ -34043,7 +35196,7 @@
           <p:cNvPr id="20" name="Straight Arrow Connector 19">
             <a:extLst>
               <a:ext uri="{FF2B5EF4-FFF2-40B4-BE49-F238E27FC236}">
-                <a16:creationId xmlns="" xmlns:a16="http://schemas.microsoft.com/office/drawing/2014/main" id="{B94C34DF-258B-7740-BFDF-3965EB4969E4}"/>
+                <a16:creationId xmlns:a16="http://schemas.microsoft.com/office/drawing/2014/main" xmlns="" id="{B94C34DF-258B-7740-BFDF-3965EB4969E4}"/>
               </a:ext>
             </a:extLst>
           </p:cNvPr>
@@ -34086,7 +35239,7 @@
           <p:cNvPr id="23" name="Straight Arrow Connector 22">
             <a:extLst>
               <a:ext uri="{FF2B5EF4-FFF2-40B4-BE49-F238E27FC236}">
-                <a16:creationId xmlns="" xmlns:a16="http://schemas.microsoft.com/office/drawing/2014/main" id="{5516DBF2-3334-154A-B160-6D0438252617}"/>
+                <a16:creationId xmlns:a16="http://schemas.microsoft.com/office/drawing/2014/main" xmlns="" id="{5516DBF2-3334-154A-B160-6D0438252617}"/>
               </a:ext>
             </a:extLst>
           </p:cNvPr>
@@ -34129,7 +35282,7 @@
           <p:cNvPr id="26" name="Straight Arrow Connector 25">
             <a:extLst>
               <a:ext uri="{FF2B5EF4-FFF2-40B4-BE49-F238E27FC236}">
-                <a16:creationId xmlns="" xmlns:a16="http://schemas.microsoft.com/office/drawing/2014/main" id="{C6F9B7B1-4132-B94F-A6B4-8AA997B199C7}"/>
+                <a16:creationId xmlns:a16="http://schemas.microsoft.com/office/drawing/2014/main" xmlns="" id="{C6F9B7B1-4132-B94F-A6B4-8AA997B199C7}"/>
               </a:ext>
             </a:extLst>
           </p:cNvPr>
@@ -34173,7 +35326,7 @@
           <p:cNvPr id="29" name="Straight Arrow Connector 28">
             <a:extLst>
               <a:ext uri="{FF2B5EF4-FFF2-40B4-BE49-F238E27FC236}">
-                <a16:creationId xmlns="" xmlns:a16="http://schemas.microsoft.com/office/drawing/2014/main" id="{C5673970-506F-2F4B-9BB8-FB1E4E7F2297}"/>
+                <a16:creationId xmlns:a16="http://schemas.microsoft.com/office/drawing/2014/main" xmlns="" id="{C5673970-506F-2F4B-9BB8-FB1E4E7F2297}"/>
               </a:ext>
             </a:extLst>
           </p:cNvPr>
@@ -34216,7 +35369,7 @@
           <p:cNvPr id="3" name="Slide Number Placeholder 2">
             <a:extLst>
               <a:ext uri="{FF2B5EF4-FFF2-40B4-BE49-F238E27FC236}">
-                <a16:creationId xmlns="" xmlns:a16="http://schemas.microsoft.com/office/drawing/2014/main" id="{E0BA839A-8AE1-4342-B869-63067D9D9684}"/>
+                <a16:creationId xmlns:a16="http://schemas.microsoft.com/office/drawing/2014/main" xmlns="" id="{E0BA839A-8AE1-4342-B869-63067D9D9684}"/>
               </a:ext>
             </a:extLst>
           </p:cNvPr>
@@ -34350,7 +35503,6 @@
               <a:rPr lang="en-US" altLang="zh-CN" dirty="0" smtClean="0"/>
               <a:t>the data</a:t>
             </a:r>
-            <a:endParaRPr lang="en-US" altLang="zh-CN" dirty="0" smtClean="0"/>
           </a:p>
           <a:p>
             <a:pPr lvl="1"/>
